--- a/MLM Diagram.pptx
+++ b/MLM Diagram.pptx
@@ -104,6 +104,11 @@
       </a:defRPr>
     </a:lvl9pPr>
   </p:defaultTextStyle>
+  <p:extLst>
+    <p:ext uri="{EFAFB233-063F-42B5-8137-9DF3F51BA10A}">
+      <p15:sldGuideLst xmlns:p15="http://schemas.microsoft.com/office/powerpoint/2012/main"/>
+    </p:ext>
+  </p:extLst>
 </p:presentation>
 </file>
 
@@ -254,7 +259,7 @@
           <a:p>
             <a:fld id="{F6E5126B-21E6-487F-966D-C011DEC8F446}" type="datetimeFigureOut">
               <a:rPr lang="en-US" smtClean="0"/>
-              <a:t>3/9/2022</a:t>
+              <a:t>3/10/2022</a:t>
             </a:fld>
             <a:endParaRPr lang="en-US"/>
           </a:p>
@@ -452,7 +457,7 @@
           <a:p>
             <a:fld id="{F6E5126B-21E6-487F-966D-C011DEC8F446}" type="datetimeFigureOut">
               <a:rPr lang="en-US" smtClean="0"/>
-              <a:t>3/9/2022</a:t>
+              <a:t>3/10/2022</a:t>
             </a:fld>
             <a:endParaRPr lang="en-US"/>
           </a:p>
@@ -660,7 +665,7 @@
           <a:p>
             <a:fld id="{F6E5126B-21E6-487F-966D-C011DEC8F446}" type="datetimeFigureOut">
               <a:rPr lang="en-US" smtClean="0"/>
-              <a:t>3/9/2022</a:t>
+              <a:t>3/10/2022</a:t>
             </a:fld>
             <a:endParaRPr lang="en-US"/>
           </a:p>
@@ -858,7 +863,7 @@
           <a:p>
             <a:fld id="{F6E5126B-21E6-487F-966D-C011DEC8F446}" type="datetimeFigureOut">
               <a:rPr lang="en-US" smtClean="0"/>
-              <a:t>3/9/2022</a:t>
+              <a:t>3/10/2022</a:t>
             </a:fld>
             <a:endParaRPr lang="en-US"/>
           </a:p>
@@ -1133,7 +1138,7 @@
           <a:p>
             <a:fld id="{F6E5126B-21E6-487F-966D-C011DEC8F446}" type="datetimeFigureOut">
               <a:rPr lang="en-US" smtClean="0"/>
-              <a:t>3/9/2022</a:t>
+              <a:t>3/10/2022</a:t>
             </a:fld>
             <a:endParaRPr lang="en-US"/>
           </a:p>
@@ -1398,7 +1403,7 @@
           <a:p>
             <a:fld id="{F6E5126B-21E6-487F-966D-C011DEC8F446}" type="datetimeFigureOut">
               <a:rPr lang="en-US" smtClean="0"/>
-              <a:t>3/9/2022</a:t>
+              <a:t>3/10/2022</a:t>
             </a:fld>
             <a:endParaRPr lang="en-US"/>
           </a:p>
@@ -1810,7 +1815,7 @@
           <a:p>
             <a:fld id="{F6E5126B-21E6-487F-966D-C011DEC8F446}" type="datetimeFigureOut">
               <a:rPr lang="en-US" smtClean="0"/>
-              <a:t>3/9/2022</a:t>
+              <a:t>3/10/2022</a:t>
             </a:fld>
             <a:endParaRPr lang="en-US"/>
           </a:p>
@@ -1951,7 +1956,7 @@
           <a:p>
             <a:fld id="{F6E5126B-21E6-487F-966D-C011DEC8F446}" type="datetimeFigureOut">
               <a:rPr lang="en-US" smtClean="0"/>
-              <a:t>3/9/2022</a:t>
+              <a:t>3/10/2022</a:t>
             </a:fld>
             <a:endParaRPr lang="en-US"/>
           </a:p>
@@ -2064,7 +2069,7 @@
           <a:p>
             <a:fld id="{F6E5126B-21E6-487F-966D-C011DEC8F446}" type="datetimeFigureOut">
               <a:rPr lang="en-US" smtClean="0"/>
-              <a:t>3/9/2022</a:t>
+              <a:t>3/10/2022</a:t>
             </a:fld>
             <a:endParaRPr lang="en-US"/>
           </a:p>
@@ -2375,7 +2380,7 @@
           <a:p>
             <a:fld id="{F6E5126B-21E6-487F-966D-C011DEC8F446}" type="datetimeFigureOut">
               <a:rPr lang="en-US" smtClean="0"/>
-              <a:t>3/9/2022</a:t>
+              <a:t>3/10/2022</a:t>
             </a:fld>
             <a:endParaRPr lang="en-US"/>
           </a:p>
@@ -2663,7 +2668,7 @@
           <a:p>
             <a:fld id="{F6E5126B-21E6-487F-966D-C011DEC8F446}" type="datetimeFigureOut">
               <a:rPr lang="en-US" smtClean="0"/>
-              <a:t>3/9/2022</a:t>
+              <a:t>3/10/2022</a:t>
             </a:fld>
             <a:endParaRPr lang="en-US"/>
           </a:p>
@@ -2904,7 +2909,7 @@
           <a:p>
             <a:fld id="{F6E5126B-21E6-487F-966D-C011DEC8F446}" type="datetimeFigureOut">
               <a:rPr lang="en-US" smtClean="0"/>
-              <a:t>3/9/2022</a:t>
+              <a:t>3/10/2022</a:t>
             </a:fld>
             <a:endParaRPr lang="en-US"/>
           </a:p>
@@ -3536,7 +3541,7 @@
             <a:pPr algn="ctr"/>
             <a:r>
               <a:rPr lang="en-US" dirty="0"/>
-              <a:t>Importing Data</a:t>
+              <a:t>Imported Data</a:t>
             </a:r>
           </a:p>
         </p:txBody>
@@ -3617,7 +3622,7 @@
           <a:p>
             <a:r>
               <a:rPr lang="en-US" dirty="0"/>
-              <a:t>Factoring Categorical Data</a:t>
+              <a:t>Factored Categorical Data</a:t>
             </a:r>
           </a:p>
         </p:txBody>
@@ -3728,7 +3733,7 @@
         </p:nvSpPr>
         <p:spPr>
           <a:xfrm>
-            <a:off x="6929120" y="2724834"/>
+            <a:off x="10175240" y="2719753"/>
             <a:ext cx="1493520" cy="646331"/>
           </a:xfrm>
           <a:prstGeom prst="rect">
@@ -3769,7 +3774,7 @@
         </p:nvSpPr>
         <p:spPr>
           <a:xfrm>
-            <a:off x="10363200" y="2601575"/>
+            <a:off x="7172325" y="2581253"/>
             <a:ext cx="1676400" cy="923330"/>
           </a:xfrm>
           <a:prstGeom prst="rect">
@@ -3785,7 +3790,7 @@
           <a:p>
             <a:r>
               <a:rPr lang="en-US" dirty="0"/>
-              <a:t>Outlier detection (boxplot)</a:t>
+              <a:t>Outlier Detection (boxplot)</a:t>
             </a:r>
           </a:p>
         </p:txBody>
@@ -3896,8 +3901,8 @@
         </p:nvSpPr>
         <p:spPr>
           <a:xfrm>
-            <a:off x="2774950" y="3976915"/>
-            <a:ext cx="1544320" cy="1200329"/>
+            <a:off x="2607945" y="4186257"/>
+            <a:ext cx="1878330" cy="646331"/>
           </a:xfrm>
           <a:prstGeom prst="rect">
             <a:avLst/>
@@ -4023,7 +4028,7 @@
         </p:nvSpPr>
         <p:spPr>
           <a:xfrm>
-            <a:off x="6740525" y="4172576"/>
+            <a:off x="6740525" y="4115414"/>
             <a:ext cx="1270000" cy="923330"/>
           </a:xfrm>
           <a:prstGeom prst="rect">

--- a/MLM Diagram.pptx
+++ b/MLM Diagram.pptx
@@ -3733,8 +3733,8 @@
         </p:nvSpPr>
         <p:spPr>
           <a:xfrm>
-            <a:off x="10175240" y="2719753"/>
-            <a:ext cx="1493520" cy="646331"/>
+            <a:off x="10144760" y="2581253"/>
+            <a:ext cx="1722120" cy="923330"/>
           </a:xfrm>
           <a:prstGeom prst="rect">
             <a:avLst/>
@@ -3755,7 +3755,7 @@
           <a:p>
             <a:r>
               <a:rPr lang="en-US" dirty="0"/>
-              <a:t>Data (0-1)</a:t>
+              <a:t>Data (Standard Normal)</a:t>
             </a:r>
           </a:p>
         </p:txBody>

--- a/MLM Diagram.pptx
+++ b/MLM Diagram.pptx
@@ -259,7 +259,7 @@
           <a:p>
             <a:fld id="{F6E5126B-21E6-487F-966D-C011DEC8F446}" type="datetimeFigureOut">
               <a:rPr lang="en-US" smtClean="0"/>
-              <a:t>3/10/2022</a:t>
+              <a:t>4/15/2022</a:t>
             </a:fld>
             <a:endParaRPr lang="en-US"/>
           </a:p>
@@ -457,7 +457,7 @@
           <a:p>
             <a:fld id="{F6E5126B-21E6-487F-966D-C011DEC8F446}" type="datetimeFigureOut">
               <a:rPr lang="en-US" smtClean="0"/>
-              <a:t>3/10/2022</a:t>
+              <a:t>4/15/2022</a:t>
             </a:fld>
             <a:endParaRPr lang="en-US"/>
           </a:p>
@@ -665,7 +665,7 @@
           <a:p>
             <a:fld id="{F6E5126B-21E6-487F-966D-C011DEC8F446}" type="datetimeFigureOut">
               <a:rPr lang="en-US" smtClean="0"/>
-              <a:t>3/10/2022</a:t>
+              <a:t>4/15/2022</a:t>
             </a:fld>
             <a:endParaRPr lang="en-US"/>
           </a:p>
@@ -863,7 +863,7 @@
           <a:p>
             <a:fld id="{F6E5126B-21E6-487F-966D-C011DEC8F446}" type="datetimeFigureOut">
               <a:rPr lang="en-US" smtClean="0"/>
-              <a:t>3/10/2022</a:t>
+              <a:t>4/15/2022</a:t>
             </a:fld>
             <a:endParaRPr lang="en-US"/>
           </a:p>
@@ -1138,7 +1138,7 @@
           <a:p>
             <a:fld id="{F6E5126B-21E6-487F-966D-C011DEC8F446}" type="datetimeFigureOut">
               <a:rPr lang="en-US" smtClean="0"/>
-              <a:t>3/10/2022</a:t>
+              <a:t>4/15/2022</a:t>
             </a:fld>
             <a:endParaRPr lang="en-US"/>
           </a:p>
@@ -1403,7 +1403,7 @@
           <a:p>
             <a:fld id="{F6E5126B-21E6-487F-966D-C011DEC8F446}" type="datetimeFigureOut">
               <a:rPr lang="en-US" smtClean="0"/>
-              <a:t>3/10/2022</a:t>
+              <a:t>4/15/2022</a:t>
             </a:fld>
             <a:endParaRPr lang="en-US"/>
           </a:p>
@@ -1815,7 +1815,7 @@
           <a:p>
             <a:fld id="{F6E5126B-21E6-487F-966D-C011DEC8F446}" type="datetimeFigureOut">
               <a:rPr lang="en-US" smtClean="0"/>
-              <a:t>3/10/2022</a:t>
+              <a:t>4/15/2022</a:t>
             </a:fld>
             <a:endParaRPr lang="en-US"/>
           </a:p>
@@ -1956,7 +1956,7 @@
           <a:p>
             <a:fld id="{F6E5126B-21E6-487F-966D-C011DEC8F446}" type="datetimeFigureOut">
               <a:rPr lang="en-US" smtClean="0"/>
-              <a:t>3/10/2022</a:t>
+              <a:t>4/15/2022</a:t>
             </a:fld>
             <a:endParaRPr lang="en-US"/>
           </a:p>
@@ -2069,7 +2069,7 @@
           <a:p>
             <a:fld id="{F6E5126B-21E6-487F-966D-C011DEC8F446}" type="datetimeFigureOut">
               <a:rPr lang="en-US" smtClean="0"/>
-              <a:t>3/10/2022</a:t>
+              <a:t>4/15/2022</a:t>
             </a:fld>
             <a:endParaRPr lang="en-US"/>
           </a:p>
@@ -2380,7 +2380,7 @@
           <a:p>
             <a:fld id="{F6E5126B-21E6-487F-966D-C011DEC8F446}" type="datetimeFigureOut">
               <a:rPr lang="en-US" smtClean="0"/>
-              <a:t>3/10/2022</a:t>
+              <a:t>4/15/2022</a:t>
             </a:fld>
             <a:endParaRPr lang="en-US"/>
           </a:p>
@@ -2668,7 +2668,7 @@
           <a:p>
             <a:fld id="{F6E5126B-21E6-487F-966D-C011DEC8F446}" type="datetimeFigureOut">
               <a:rPr lang="en-US" smtClean="0"/>
-              <a:t>3/10/2022</a:t>
+              <a:t>4/15/2022</a:t>
             </a:fld>
             <a:endParaRPr lang="en-US"/>
           </a:p>
@@ -2909,7 +2909,7 @@
           <a:p>
             <a:fld id="{F6E5126B-21E6-487F-966D-C011DEC8F446}" type="datetimeFigureOut">
               <a:rPr lang="en-US" smtClean="0"/>
-              <a:t>3/10/2022</a:t>
+              <a:t>4/15/2022</a:t>
             </a:fld>
             <a:endParaRPr lang="en-US"/>
           </a:p>
@@ -3328,10 +3328,10 @@
       </p:grpSpPr>
       <p:sp>
         <p:nvSpPr>
-          <p:cNvPr id="4" name="Rectangle 3">
-            <a:extLst>
-              <a:ext uri="{FF2B5EF4-FFF2-40B4-BE49-F238E27FC236}">
-                <a16:creationId xmlns:a16="http://schemas.microsoft.com/office/drawing/2014/main" id="{7191187E-D547-44AC-8864-11C8BB1492A8}"/>
+          <p:cNvPr id="24" name="Rectangle 23">
+            <a:extLst>
+              <a:ext uri="{FF2B5EF4-FFF2-40B4-BE49-F238E27FC236}">
+                <a16:creationId xmlns:a16="http://schemas.microsoft.com/office/drawing/2014/main" id="{1AD9F0E6-195B-480F-9D9E-77D90FBAE7E7}"/>
               </a:ext>
             </a:extLst>
           </p:cNvPr>
@@ -3340,7 +3340,7 @@
         </p:nvSpPr>
         <p:spPr>
           <a:xfrm>
-            <a:off x="294640" y="2494280"/>
+            <a:off x="9899015" y="428439"/>
             <a:ext cx="1991360" cy="1107440"/>
           </a:xfrm>
           <a:prstGeom prst="rect">
@@ -3374,10 +3374,10 @@
       </p:sp>
       <p:sp>
         <p:nvSpPr>
-          <p:cNvPr id="5" name="Rectangle 4">
-            <a:extLst>
-              <a:ext uri="{FF2B5EF4-FFF2-40B4-BE49-F238E27FC236}">
-                <a16:creationId xmlns:a16="http://schemas.microsoft.com/office/drawing/2014/main" id="{63CCF968-E9B2-42EB-AD7A-781109BFBC77}"/>
+          <p:cNvPr id="18" name="Rectangle 17">
+            <a:extLst>
+              <a:ext uri="{FF2B5EF4-FFF2-40B4-BE49-F238E27FC236}">
+                <a16:creationId xmlns:a16="http://schemas.microsoft.com/office/drawing/2014/main" id="{757C199F-8C40-4245-9FB3-B030C4B229ED}"/>
               </a:ext>
             </a:extLst>
           </p:cNvPr>
@@ -3386,7 +3386,7 @@
         </p:nvSpPr>
         <p:spPr>
           <a:xfrm>
-            <a:off x="3479800" y="2494280"/>
+            <a:off x="10092690" y="4313371"/>
             <a:ext cx="1991360" cy="1107440"/>
           </a:xfrm>
           <a:prstGeom prst="rect">
@@ -3420,10 +3420,10 @@
       </p:sp>
       <p:sp>
         <p:nvSpPr>
-          <p:cNvPr id="6" name="Rectangle 5">
-            <a:extLst>
-              <a:ext uri="{FF2B5EF4-FFF2-40B4-BE49-F238E27FC236}">
-                <a16:creationId xmlns:a16="http://schemas.microsoft.com/office/drawing/2014/main" id="{55AFEF9E-B292-4863-83A4-38E2E097C1EF}"/>
+          <p:cNvPr id="4" name="Rectangle 3">
+            <a:extLst>
+              <a:ext uri="{FF2B5EF4-FFF2-40B4-BE49-F238E27FC236}">
+                <a16:creationId xmlns:a16="http://schemas.microsoft.com/office/drawing/2014/main" id="{7191187E-D547-44AC-8864-11C8BB1492A8}"/>
               </a:ext>
             </a:extLst>
           </p:cNvPr>
@@ -3432,7 +3432,7 @@
         </p:nvSpPr>
         <p:spPr>
           <a:xfrm>
-            <a:off x="6664960" y="2509520"/>
+            <a:off x="294640" y="2494280"/>
             <a:ext cx="1991360" cy="1107440"/>
           </a:xfrm>
           <a:prstGeom prst="rect">
@@ -3466,10 +3466,10 @@
       </p:sp>
       <p:sp>
         <p:nvSpPr>
-          <p:cNvPr id="7" name="Rectangle 6">
-            <a:extLst>
-              <a:ext uri="{FF2B5EF4-FFF2-40B4-BE49-F238E27FC236}">
-                <a16:creationId xmlns:a16="http://schemas.microsoft.com/office/drawing/2014/main" id="{E82E1BE9-8315-4600-8D3A-50F3A4161952}"/>
+          <p:cNvPr id="5" name="Rectangle 4">
+            <a:extLst>
+              <a:ext uri="{FF2B5EF4-FFF2-40B4-BE49-F238E27FC236}">
+                <a16:creationId xmlns:a16="http://schemas.microsoft.com/office/drawing/2014/main" id="{63CCF968-E9B2-42EB-AD7A-781109BFBC77}"/>
               </a:ext>
             </a:extLst>
           </p:cNvPr>
@@ -3478,7 +3478,7 @@
         </p:nvSpPr>
         <p:spPr>
           <a:xfrm>
-            <a:off x="9875520" y="2489199"/>
+            <a:off x="3479800" y="2494280"/>
             <a:ext cx="1991360" cy="1107440"/>
           </a:xfrm>
           <a:prstGeom prst="rect">
@@ -3512,46 +3512,10 @@
       </p:sp>
       <p:sp>
         <p:nvSpPr>
-          <p:cNvPr id="8" name="TextBox 7">
-            <a:extLst>
-              <a:ext uri="{FF2B5EF4-FFF2-40B4-BE49-F238E27FC236}">
-                <a16:creationId xmlns:a16="http://schemas.microsoft.com/office/drawing/2014/main" id="{AAD92C0F-19DF-4EF4-A879-00BE6EF0F818}"/>
-              </a:ext>
-            </a:extLst>
-          </p:cNvPr>
-          <p:cNvSpPr txBox="1"/>
-          <p:nvPr/>
-        </p:nvSpPr>
-        <p:spPr>
-          <a:xfrm>
-            <a:off x="619760" y="2724834"/>
-            <a:ext cx="1341120" cy="646331"/>
-          </a:xfrm>
-          <a:prstGeom prst="rect">
-            <a:avLst/>
-          </a:prstGeom>
-          <a:noFill/>
-        </p:spPr>
-        <p:txBody>
-          <a:bodyPr wrap="square" rtlCol="0">
-            <a:spAutoFit/>
-          </a:bodyPr>
-          <a:lstStyle/>
-          <a:p>
-            <a:pPr algn="ctr"/>
-            <a:r>
-              <a:rPr lang="en-US" dirty="0"/>
-              <a:t>Imported Data</a:t>
-            </a:r>
-          </a:p>
-        </p:txBody>
-      </p:sp>
-      <p:sp>
-        <p:nvSpPr>
-          <p:cNvPr id="11" name="Arrow: Right 10">
-            <a:extLst>
-              <a:ext uri="{FF2B5EF4-FFF2-40B4-BE49-F238E27FC236}">
-                <a16:creationId xmlns:a16="http://schemas.microsoft.com/office/drawing/2014/main" id="{24BE901F-D9C6-451E-B9F0-CD033CCF0695}"/>
+          <p:cNvPr id="6" name="Rectangle 5">
+            <a:extLst>
+              <a:ext uri="{FF2B5EF4-FFF2-40B4-BE49-F238E27FC236}">
+                <a16:creationId xmlns:a16="http://schemas.microsoft.com/office/drawing/2014/main" id="{55AFEF9E-B292-4863-83A4-38E2E097C1EF}"/>
               </a:ext>
             </a:extLst>
           </p:cNvPr>
@@ -3560,10 +3524,10 @@
         </p:nvSpPr>
         <p:spPr>
           <a:xfrm>
-            <a:off x="2489200" y="2849880"/>
-            <a:ext cx="873760" cy="426720"/>
-          </a:xfrm>
-          <a:prstGeom prst="rightArrow">
+            <a:off x="6664960" y="2509520"/>
+            <a:ext cx="1991360" cy="1107440"/>
+          </a:xfrm>
+          <a:prstGeom prst="rect">
             <a:avLst/>
           </a:prstGeom>
         </p:spPr>
@@ -3594,45 +3558,10 @@
       </p:sp>
       <p:sp>
         <p:nvSpPr>
-          <p:cNvPr id="12" name="TextBox 11">
-            <a:extLst>
-              <a:ext uri="{FF2B5EF4-FFF2-40B4-BE49-F238E27FC236}">
-                <a16:creationId xmlns:a16="http://schemas.microsoft.com/office/drawing/2014/main" id="{B469EFD4-D211-4C31-A7D2-5DD03E4A2F35}"/>
-              </a:ext>
-            </a:extLst>
-          </p:cNvPr>
-          <p:cNvSpPr txBox="1"/>
-          <p:nvPr/>
-        </p:nvSpPr>
-        <p:spPr>
-          <a:xfrm>
-            <a:off x="3887470" y="2615618"/>
-            <a:ext cx="1389380" cy="923330"/>
-          </a:xfrm>
-          <a:prstGeom prst="rect">
-            <a:avLst/>
-          </a:prstGeom>
-          <a:noFill/>
-        </p:spPr>
-        <p:txBody>
-          <a:bodyPr wrap="square" rtlCol="0">
-            <a:spAutoFit/>
-          </a:bodyPr>
-          <a:lstStyle/>
-          <a:p>
-            <a:r>
-              <a:rPr lang="en-US" dirty="0"/>
-              <a:t>Factored Categorical Data</a:t>
-            </a:r>
-          </a:p>
-        </p:txBody>
-      </p:sp>
-      <p:sp>
-        <p:nvSpPr>
-          <p:cNvPr id="13" name="Arrow: Right 12">
-            <a:extLst>
-              <a:ext uri="{FF2B5EF4-FFF2-40B4-BE49-F238E27FC236}">
-                <a16:creationId xmlns:a16="http://schemas.microsoft.com/office/drawing/2014/main" id="{A210FC7A-28A3-46D9-87AF-D7BE0A1A7F46}"/>
+          <p:cNvPr id="7" name="Rectangle 6">
+            <a:extLst>
+              <a:ext uri="{FF2B5EF4-FFF2-40B4-BE49-F238E27FC236}">
+                <a16:creationId xmlns:a16="http://schemas.microsoft.com/office/drawing/2014/main" id="{E82E1BE9-8315-4600-8D3A-50F3A4161952}"/>
               </a:ext>
             </a:extLst>
           </p:cNvPr>
@@ -3641,10 +3570,10 @@
         </p:nvSpPr>
         <p:spPr>
           <a:xfrm>
-            <a:off x="5669280" y="2834639"/>
-            <a:ext cx="873760" cy="426720"/>
-          </a:xfrm>
-          <a:prstGeom prst="rightArrow">
+            <a:off x="10133330" y="2509520"/>
+            <a:ext cx="1991360" cy="1107440"/>
+          </a:xfrm>
+          <a:prstGeom prst="rect">
             <a:avLst/>
           </a:prstGeom>
         </p:spPr>
@@ -3675,10 +3604,192 @@
       </p:sp>
       <p:sp>
         <p:nvSpPr>
-          <p:cNvPr id="14" name="Arrow: Right 13">
-            <a:extLst>
-              <a:ext uri="{FF2B5EF4-FFF2-40B4-BE49-F238E27FC236}">
-                <a16:creationId xmlns:a16="http://schemas.microsoft.com/office/drawing/2014/main" id="{4160E847-2D0F-457A-826D-28192ABED835}"/>
+          <p:cNvPr id="8" name="TextBox 7">
+            <a:extLst>
+              <a:ext uri="{FF2B5EF4-FFF2-40B4-BE49-F238E27FC236}">
+                <a16:creationId xmlns:a16="http://schemas.microsoft.com/office/drawing/2014/main" id="{AAD92C0F-19DF-4EF4-A879-00BE6EF0F818}"/>
+              </a:ext>
+            </a:extLst>
+          </p:cNvPr>
+          <p:cNvSpPr txBox="1"/>
+          <p:nvPr/>
+        </p:nvSpPr>
+        <p:spPr>
+          <a:xfrm>
+            <a:off x="619760" y="2724834"/>
+            <a:ext cx="1341120" cy="646331"/>
+          </a:xfrm>
+          <a:prstGeom prst="rect">
+            <a:avLst/>
+          </a:prstGeom>
+          <a:noFill/>
+        </p:spPr>
+        <p:txBody>
+          <a:bodyPr wrap="square" rtlCol="0">
+            <a:spAutoFit/>
+          </a:bodyPr>
+          <a:lstStyle/>
+          <a:p>
+            <a:pPr algn="ctr"/>
+            <a:r>
+              <a:rPr lang="en-US" dirty="0"/>
+              <a:t>Imported Data</a:t>
+            </a:r>
+          </a:p>
+        </p:txBody>
+      </p:sp>
+      <p:sp>
+        <p:nvSpPr>
+          <p:cNvPr id="12" name="TextBox 11">
+            <a:extLst>
+              <a:ext uri="{FF2B5EF4-FFF2-40B4-BE49-F238E27FC236}">
+                <a16:creationId xmlns:a16="http://schemas.microsoft.com/office/drawing/2014/main" id="{B469EFD4-D211-4C31-A7D2-5DD03E4A2F35}"/>
+              </a:ext>
+            </a:extLst>
+          </p:cNvPr>
+          <p:cNvSpPr txBox="1"/>
+          <p:nvPr/>
+        </p:nvSpPr>
+        <p:spPr>
+          <a:xfrm>
+            <a:off x="3887470" y="2615618"/>
+            <a:ext cx="1389380" cy="923330"/>
+          </a:xfrm>
+          <a:prstGeom prst="rect">
+            <a:avLst/>
+          </a:prstGeom>
+          <a:noFill/>
+        </p:spPr>
+        <p:txBody>
+          <a:bodyPr wrap="square" rtlCol="0">
+            <a:spAutoFit/>
+          </a:bodyPr>
+          <a:lstStyle/>
+          <a:p>
+            <a:r>
+              <a:rPr lang="en-US" dirty="0"/>
+              <a:t>Factored Categorical Data</a:t>
+            </a:r>
+          </a:p>
+        </p:txBody>
+      </p:sp>
+      <p:sp>
+        <p:nvSpPr>
+          <p:cNvPr id="15" name="TextBox 14">
+            <a:extLst>
+              <a:ext uri="{FF2B5EF4-FFF2-40B4-BE49-F238E27FC236}">
+                <a16:creationId xmlns:a16="http://schemas.microsoft.com/office/drawing/2014/main" id="{667A39BC-CA07-4B6D-835D-979D33FDC406}"/>
+              </a:ext>
+            </a:extLst>
+          </p:cNvPr>
+          <p:cNvSpPr txBox="1"/>
+          <p:nvPr/>
+        </p:nvSpPr>
+        <p:spPr>
+          <a:xfrm>
+            <a:off x="10316210" y="4405426"/>
+            <a:ext cx="1722120" cy="923330"/>
+          </a:xfrm>
+          <a:prstGeom prst="rect">
+            <a:avLst/>
+          </a:prstGeom>
+          <a:noFill/>
+        </p:spPr>
+        <p:txBody>
+          <a:bodyPr wrap="square" rtlCol="0">
+            <a:spAutoFit/>
+          </a:bodyPr>
+          <a:lstStyle/>
+          <a:p>
+            <a:r>
+              <a:rPr lang="en-US" dirty="0"/>
+              <a:t>Standardizing </a:t>
+            </a:r>
+          </a:p>
+          <a:p>
+            <a:r>
+              <a:rPr lang="en-US" dirty="0"/>
+              <a:t>Data (Standard Normal)</a:t>
+            </a:r>
+          </a:p>
+        </p:txBody>
+      </p:sp>
+      <p:sp>
+        <p:nvSpPr>
+          <p:cNvPr id="16" name="TextBox 15">
+            <a:extLst>
+              <a:ext uri="{FF2B5EF4-FFF2-40B4-BE49-F238E27FC236}">
+                <a16:creationId xmlns:a16="http://schemas.microsoft.com/office/drawing/2014/main" id="{24A35BE6-C1EF-4375-A5E2-CA9D48F537E4}"/>
+              </a:ext>
+            </a:extLst>
+          </p:cNvPr>
+          <p:cNvSpPr txBox="1"/>
+          <p:nvPr/>
+        </p:nvSpPr>
+        <p:spPr>
+          <a:xfrm>
+            <a:off x="10407650" y="2581254"/>
+            <a:ext cx="1676400" cy="923330"/>
+          </a:xfrm>
+          <a:prstGeom prst="rect">
+            <a:avLst/>
+          </a:prstGeom>
+          <a:noFill/>
+        </p:spPr>
+        <p:txBody>
+          <a:bodyPr wrap="square" rtlCol="0">
+            <a:spAutoFit/>
+          </a:bodyPr>
+          <a:lstStyle/>
+          <a:p>
+            <a:r>
+              <a:rPr lang="en-US" dirty="0"/>
+              <a:t>Outlier Detection (boxplot)</a:t>
+            </a:r>
+          </a:p>
+        </p:txBody>
+      </p:sp>
+      <p:sp>
+        <p:nvSpPr>
+          <p:cNvPr id="19" name="TextBox 18">
+            <a:extLst>
+              <a:ext uri="{FF2B5EF4-FFF2-40B4-BE49-F238E27FC236}">
+                <a16:creationId xmlns:a16="http://schemas.microsoft.com/office/drawing/2014/main" id="{141C85CE-1BFB-4F24-BB06-1D56FF8CC693}"/>
+              </a:ext>
+            </a:extLst>
+          </p:cNvPr>
+          <p:cNvSpPr txBox="1"/>
+          <p:nvPr/>
+        </p:nvSpPr>
+        <p:spPr>
+          <a:xfrm>
+            <a:off x="6734175" y="2721388"/>
+            <a:ext cx="1878330" cy="646331"/>
+          </a:xfrm>
+          <a:prstGeom prst="rect">
+            <a:avLst/>
+          </a:prstGeom>
+          <a:noFill/>
+        </p:spPr>
+        <p:txBody>
+          <a:bodyPr wrap="square" rtlCol="0">
+            <a:spAutoFit/>
+          </a:bodyPr>
+          <a:lstStyle/>
+          <a:p>
+            <a:r>
+              <a:rPr lang="en-US" dirty="0"/>
+              <a:t>Splitting data into Training/Test set</a:t>
+            </a:r>
+          </a:p>
+        </p:txBody>
+      </p:sp>
+      <p:sp>
+        <p:nvSpPr>
+          <p:cNvPr id="21" name="Rectangle 20">
+            <a:extLst>
+              <a:ext uri="{FF2B5EF4-FFF2-40B4-BE49-F238E27FC236}">
+                <a16:creationId xmlns:a16="http://schemas.microsoft.com/office/drawing/2014/main" id="{7116EA31-6BB8-4276-ABF2-0D3CE132DE30}"/>
               </a:ext>
             </a:extLst>
           </p:cNvPr>
@@ -3687,10 +3798,10 @@
         </p:nvSpPr>
         <p:spPr>
           <a:xfrm>
-            <a:off x="8829040" y="2829559"/>
-            <a:ext cx="873760" cy="426720"/>
-          </a:xfrm>
-          <a:prstGeom prst="rightArrow">
+            <a:off x="6734175" y="4405426"/>
+            <a:ext cx="1991360" cy="1107440"/>
+          </a:xfrm>
+          <a:prstGeom prst="rect">
             <a:avLst/>
           </a:prstGeom>
         </p:spPr>
@@ -3721,10 +3832,10 @@
       </p:sp>
       <p:sp>
         <p:nvSpPr>
-          <p:cNvPr id="15" name="TextBox 14">
-            <a:extLst>
-              <a:ext uri="{FF2B5EF4-FFF2-40B4-BE49-F238E27FC236}">
-                <a16:creationId xmlns:a16="http://schemas.microsoft.com/office/drawing/2014/main" id="{667A39BC-CA07-4B6D-835D-979D33FDC406}"/>
+          <p:cNvPr id="22" name="TextBox 21">
+            <a:extLst>
+              <a:ext uri="{FF2B5EF4-FFF2-40B4-BE49-F238E27FC236}">
+                <a16:creationId xmlns:a16="http://schemas.microsoft.com/office/drawing/2014/main" id="{9A5551AC-B5CA-46E3-BFBB-2F113CF69BDA}"/>
               </a:ext>
             </a:extLst>
           </p:cNvPr>
@@ -3733,8 +3844,8 @@
         </p:nvSpPr>
         <p:spPr>
           <a:xfrm>
-            <a:off x="10144760" y="2581253"/>
-            <a:ext cx="1722120" cy="923330"/>
+            <a:off x="10259694" y="638459"/>
+            <a:ext cx="1495425" cy="646331"/>
           </a:xfrm>
           <a:prstGeom prst="rect">
             <a:avLst/>
@@ -3749,23 +3860,17 @@
           <a:p>
             <a:r>
               <a:rPr lang="en-US" dirty="0"/>
-              <a:t>Standardizing </a:t>
-            </a:r>
-          </a:p>
-          <a:p>
-            <a:r>
-              <a:rPr lang="en-US" dirty="0"/>
-              <a:t>Data (Standard Normal)</a:t>
-            </a:r>
-          </a:p>
-        </p:txBody>
-      </p:sp>
-      <p:sp>
-        <p:nvSpPr>
-          <p:cNvPr id="16" name="TextBox 15">
-            <a:extLst>
-              <a:ext uri="{FF2B5EF4-FFF2-40B4-BE49-F238E27FC236}">
-                <a16:creationId xmlns:a16="http://schemas.microsoft.com/office/drawing/2014/main" id="{24A35BE6-C1EF-4375-A5E2-CA9D48F537E4}"/>
+              <a:t>Final Model Testing </a:t>
+            </a:r>
+          </a:p>
+        </p:txBody>
+      </p:sp>
+      <p:sp>
+        <p:nvSpPr>
+          <p:cNvPr id="23" name="TextBox 22">
+            <a:extLst>
+              <a:ext uri="{FF2B5EF4-FFF2-40B4-BE49-F238E27FC236}">
+                <a16:creationId xmlns:a16="http://schemas.microsoft.com/office/drawing/2014/main" id="{FBF1DE83-7E65-47AB-B3AF-812A9DF4D302}"/>
               </a:ext>
             </a:extLst>
           </p:cNvPr>
@@ -3774,8 +3879,8 @@
         </p:nvSpPr>
         <p:spPr>
           <a:xfrm>
-            <a:off x="7172325" y="2581253"/>
-            <a:ext cx="1676400" cy="923330"/>
+            <a:off x="7094855" y="4518660"/>
+            <a:ext cx="1270000" cy="923330"/>
           </a:xfrm>
           <a:prstGeom prst="rect">
             <a:avLst/>
@@ -3790,17 +3895,304 @@
           <a:p>
             <a:r>
               <a:rPr lang="en-US" dirty="0"/>
-              <a:t>Outlier Detection (boxplot)</a:t>
-            </a:r>
-          </a:p>
-        </p:txBody>
-      </p:sp>
-      <p:sp>
-        <p:nvSpPr>
-          <p:cNvPr id="17" name="Arrow: Right 16">
-            <a:extLst>
-              <a:ext uri="{FF2B5EF4-FFF2-40B4-BE49-F238E27FC236}">
-                <a16:creationId xmlns:a16="http://schemas.microsoft.com/office/drawing/2014/main" id="{F6ED57CA-34B9-49C0-8223-8E769AC24D39}"/>
+              <a:t>Backward Feature Selection</a:t>
+            </a:r>
+          </a:p>
+        </p:txBody>
+      </p:sp>
+      <p:cxnSp>
+        <p:nvCxnSpPr>
+          <p:cNvPr id="3" name="Straight Arrow Connector 2">
+            <a:extLst>
+              <a:ext uri="{FF2B5EF4-FFF2-40B4-BE49-F238E27FC236}">
+                <a16:creationId xmlns:a16="http://schemas.microsoft.com/office/drawing/2014/main" id="{5C273908-97DF-49EB-883E-736DE519DCEE}"/>
+              </a:ext>
+            </a:extLst>
+          </p:cNvPr>
+          <p:cNvCxnSpPr>
+            <a:cxnSpLocks/>
+          </p:cNvCxnSpPr>
+          <p:nvPr/>
+        </p:nvCxnSpPr>
+        <p:spPr>
+          <a:xfrm>
+            <a:off x="2428240" y="3042919"/>
+            <a:ext cx="901065" cy="0"/>
+          </a:xfrm>
+          <a:prstGeom prst="straightConnector1">
+            <a:avLst/>
+          </a:prstGeom>
+          <a:ln>
+            <a:tailEnd type="triangle"/>
+          </a:ln>
+        </p:spPr>
+        <p:style>
+          <a:lnRef idx="1">
+            <a:schemeClr val="accent1"/>
+          </a:lnRef>
+          <a:fillRef idx="0">
+            <a:schemeClr val="accent1"/>
+          </a:fillRef>
+          <a:effectRef idx="0">
+            <a:schemeClr val="accent1"/>
+          </a:effectRef>
+          <a:fontRef idx="minor">
+            <a:schemeClr val="tx1"/>
+          </a:fontRef>
+        </p:style>
+      </p:cxnSp>
+      <p:cxnSp>
+        <p:nvCxnSpPr>
+          <p:cNvPr id="25" name="Straight Arrow Connector 24">
+            <a:extLst>
+              <a:ext uri="{FF2B5EF4-FFF2-40B4-BE49-F238E27FC236}">
+                <a16:creationId xmlns:a16="http://schemas.microsoft.com/office/drawing/2014/main" id="{E8768D23-3AA8-48EF-B9F3-C650251410EC}"/>
+              </a:ext>
+            </a:extLst>
+          </p:cNvPr>
+          <p:cNvCxnSpPr>
+            <a:cxnSpLocks/>
+          </p:cNvCxnSpPr>
+          <p:nvPr/>
+        </p:nvCxnSpPr>
+        <p:spPr>
+          <a:xfrm>
+            <a:off x="5615305" y="3042919"/>
+            <a:ext cx="901065" cy="0"/>
+          </a:xfrm>
+          <a:prstGeom prst="straightConnector1">
+            <a:avLst/>
+          </a:prstGeom>
+          <a:ln>
+            <a:tailEnd type="triangle"/>
+          </a:ln>
+        </p:spPr>
+        <p:style>
+          <a:lnRef idx="1">
+            <a:schemeClr val="accent1"/>
+          </a:lnRef>
+          <a:fillRef idx="0">
+            <a:schemeClr val="accent1"/>
+          </a:fillRef>
+          <a:effectRef idx="0">
+            <a:schemeClr val="accent1"/>
+          </a:effectRef>
+          <a:fontRef idx="minor">
+            <a:schemeClr val="tx1"/>
+          </a:fontRef>
+        </p:style>
+      </p:cxnSp>
+      <p:cxnSp>
+        <p:nvCxnSpPr>
+          <p:cNvPr id="26" name="Straight Arrow Connector 25">
+            <a:extLst>
+              <a:ext uri="{FF2B5EF4-FFF2-40B4-BE49-F238E27FC236}">
+                <a16:creationId xmlns:a16="http://schemas.microsoft.com/office/drawing/2014/main" id="{98596F9C-C21D-4205-8804-F31E48454FAD}"/>
+              </a:ext>
+            </a:extLst>
+          </p:cNvPr>
+          <p:cNvCxnSpPr>
+            <a:cxnSpLocks/>
+          </p:cNvCxnSpPr>
+          <p:nvPr/>
+        </p:nvCxnSpPr>
+        <p:spPr>
+          <a:xfrm>
+            <a:off x="8939530" y="3077283"/>
+            <a:ext cx="901065" cy="0"/>
+          </a:xfrm>
+          <a:prstGeom prst="straightConnector1">
+            <a:avLst/>
+          </a:prstGeom>
+          <a:ln>
+            <a:tailEnd type="triangle"/>
+          </a:ln>
+        </p:spPr>
+        <p:style>
+          <a:lnRef idx="1">
+            <a:schemeClr val="accent1"/>
+          </a:lnRef>
+          <a:fillRef idx="0">
+            <a:schemeClr val="accent1"/>
+          </a:fillRef>
+          <a:effectRef idx="0">
+            <a:schemeClr val="accent1"/>
+          </a:effectRef>
+          <a:fontRef idx="minor">
+            <a:schemeClr val="tx1"/>
+          </a:fontRef>
+        </p:style>
+      </p:cxnSp>
+      <p:cxnSp>
+        <p:nvCxnSpPr>
+          <p:cNvPr id="27" name="Straight Arrow Connector 26">
+            <a:extLst>
+              <a:ext uri="{FF2B5EF4-FFF2-40B4-BE49-F238E27FC236}">
+                <a16:creationId xmlns:a16="http://schemas.microsoft.com/office/drawing/2014/main" id="{1DA513CB-B666-4F0A-840A-9E61134FF81B}"/>
+              </a:ext>
+            </a:extLst>
+          </p:cNvPr>
+          <p:cNvCxnSpPr>
+            <a:cxnSpLocks/>
+          </p:cNvCxnSpPr>
+          <p:nvPr/>
+        </p:nvCxnSpPr>
+        <p:spPr>
+          <a:xfrm>
+            <a:off x="11129010" y="3756381"/>
+            <a:ext cx="0" cy="516654"/>
+          </a:xfrm>
+          <a:prstGeom prst="straightConnector1">
+            <a:avLst/>
+          </a:prstGeom>
+          <a:ln>
+            <a:tailEnd type="triangle"/>
+          </a:ln>
+        </p:spPr>
+        <p:style>
+          <a:lnRef idx="1">
+            <a:schemeClr val="accent1"/>
+          </a:lnRef>
+          <a:fillRef idx="0">
+            <a:schemeClr val="accent1"/>
+          </a:fillRef>
+          <a:effectRef idx="0">
+            <a:schemeClr val="accent1"/>
+          </a:effectRef>
+          <a:fontRef idx="minor">
+            <a:schemeClr val="tx1"/>
+          </a:fontRef>
+        </p:style>
+      </p:cxnSp>
+      <p:cxnSp>
+        <p:nvCxnSpPr>
+          <p:cNvPr id="28" name="Straight Arrow Connector 27">
+            <a:extLst>
+              <a:ext uri="{FF2B5EF4-FFF2-40B4-BE49-F238E27FC236}">
+                <a16:creationId xmlns:a16="http://schemas.microsoft.com/office/drawing/2014/main" id="{54907542-91A7-4AB3-AD85-0C7F2CC6789E}"/>
+              </a:ext>
+            </a:extLst>
+          </p:cNvPr>
+          <p:cNvCxnSpPr>
+            <a:cxnSpLocks/>
+          </p:cNvCxnSpPr>
+          <p:nvPr/>
+        </p:nvCxnSpPr>
+        <p:spPr>
+          <a:xfrm flipH="1">
+            <a:off x="9006840" y="4867091"/>
+            <a:ext cx="892175" cy="0"/>
+          </a:xfrm>
+          <a:prstGeom prst="straightConnector1">
+            <a:avLst/>
+          </a:prstGeom>
+          <a:ln>
+            <a:tailEnd type="triangle"/>
+          </a:ln>
+        </p:spPr>
+        <p:style>
+          <a:lnRef idx="1">
+            <a:schemeClr val="accent1"/>
+          </a:lnRef>
+          <a:fillRef idx="0">
+            <a:schemeClr val="accent1"/>
+          </a:fillRef>
+          <a:effectRef idx="0">
+            <a:schemeClr val="accent1"/>
+          </a:effectRef>
+          <a:fontRef idx="minor">
+            <a:schemeClr val="tx1"/>
+          </a:fontRef>
+        </p:style>
+      </p:cxnSp>
+      <p:cxnSp>
+        <p:nvCxnSpPr>
+          <p:cNvPr id="29" name="Straight Arrow Connector 28">
+            <a:extLst>
+              <a:ext uri="{FF2B5EF4-FFF2-40B4-BE49-F238E27FC236}">
+                <a16:creationId xmlns:a16="http://schemas.microsoft.com/office/drawing/2014/main" id="{A891576C-44D4-4B63-8728-AE951B7D4DBA}"/>
+              </a:ext>
+            </a:extLst>
+          </p:cNvPr>
+          <p:cNvCxnSpPr>
+            <a:cxnSpLocks/>
+          </p:cNvCxnSpPr>
+          <p:nvPr/>
+        </p:nvCxnSpPr>
+        <p:spPr>
+          <a:xfrm>
+            <a:off x="8801100" y="961625"/>
+            <a:ext cx="901065" cy="0"/>
+          </a:xfrm>
+          <a:prstGeom prst="straightConnector1">
+            <a:avLst/>
+          </a:prstGeom>
+          <a:ln>
+            <a:tailEnd type="triangle"/>
+          </a:ln>
+        </p:spPr>
+        <p:style>
+          <a:lnRef idx="1">
+            <a:schemeClr val="accent1"/>
+          </a:lnRef>
+          <a:fillRef idx="0">
+            <a:schemeClr val="accent1"/>
+          </a:fillRef>
+          <a:effectRef idx="0">
+            <a:schemeClr val="accent1"/>
+          </a:effectRef>
+          <a:fontRef idx="minor">
+            <a:schemeClr val="tx1"/>
+          </a:fontRef>
+        </p:style>
+      </p:cxnSp>
+      <p:cxnSp>
+        <p:nvCxnSpPr>
+          <p:cNvPr id="30" name="Straight Arrow Connector 29">
+            <a:extLst>
+              <a:ext uri="{FF2B5EF4-FFF2-40B4-BE49-F238E27FC236}">
+                <a16:creationId xmlns:a16="http://schemas.microsoft.com/office/drawing/2014/main" id="{2F695786-F1BA-4174-AB59-BE395157A08B}"/>
+              </a:ext>
+            </a:extLst>
+          </p:cNvPr>
+          <p:cNvCxnSpPr>
+            <a:cxnSpLocks/>
+          </p:cNvCxnSpPr>
+          <p:nvPr/>
+        </p:nvCxnSpPr>
+        <p:spPr>
+          <a:xfrm flipV="1">
+            <a:off x="7589520" y="1737360"/>
+            <a:ext cx="0" cy="513079"/>
+          </a:xfrm>
+          <a:prstGeom prst="straightConnector1">
+            <a:avLst/>
+          </a:prstGeom>
+          <a:ln>
+            <a:tailEnd type="triangle"/>
+          </a:ln>
+        </p:spPr>
+        <p:style>
+          <a:lnRef idx="1">
+            <a:schemeClr val="accent1"/>
+          </a:lnRef>
+          <a:fillRef idx="0">
+            <a:schemeClr val="accent1"/>
+          </a:fillRef>
+          <a:effectRef idx="0">
+            <a:schemeClr val="accent1"/>
+          </a:effectRef>
+          <a:fontRef idx="minor">
+            <a:schemeClr val="tx1"/>
+          </a:fontRef>
+        </p:style>
+      </p:cxnSp>
+      <p:sp>
+        <p:nvSpPr>
+          <p:cNvPr id="31" name="Rectangle 30">
+            <a:extLst>
+              <a:ext uri="{FF2B5EF4-FFF2-40B4-BE49-F238E27FC236}">
+                <a16:creationId xmlns:a16="http://schemas.microsoft.com/office/drawing/2014/main" id="{0993103F-9216-4B81-B133-06045B2580BC}"/>
               </a:ext>
             </a:extLst>
           </p:cNvPr>
@@ -3809,10 +4201,10 @@
         </p:nvSpPr>
         <p:spPr>
           <a:xfrm>
-            <a:off x="1277620" y="4363720"/>
-            <a:ext cx="873760" cy="426720"/>
-          </a:xfrm>
-          <a:prstGeom prst="rightArrow">
+            <a:off x="6612890" y="500380"/>
+            <a:ext cx="1991360" cy="1107440"/>
+          </a:xfrm>
+          <a:prstGeom prst="rect">
             <a:avLst/>
           </a:prstGeom>
         </p:spPr>
@@ -3843,56 +4235,10 @@
       </p:sp>
       <p:sp>
         <p:nvSpPr>
-          <p:cNvPr id="18" name="Rectangle 17">
-            <a:extLst>
-              <a:ext uri="{FF2B5EF4-FFF2-40B4-BE49-F238E27FC236}">
-                <a16:creationId xmlns:a16="http://schemas.microsoft.com/office/drawing/2014/main" id="{757C199F-8C40-4245-9FB3-B030C4B229ED}"/>
-              </a:ext>
-            </a:extLst>
-          </p:cNvPr>
-          <p:cNvSpPr/>
-          <p:nvPr/>
-        </p:nvSpPr>
-        <p:spPr>
-          <a:xfrm>
-            <a:off x="2551430" y="4014708"/>
-            <a:ext cx="1991360" cy="1107440"/>
-          </a:xfrm>
-          <a:prstGeom prst="rect">
-            <a:avLst/>
-          </a:prstGeom>
-        </p:spPr>
-        <p:style>
-          <a:lnRef idx="2">
-            <a:schemeClr val="accent1">
-              <a:shade val="50000"/>
-            </a:schemeClr>
-          </a:lnRef>
-          <a:fillRef idx="1">
-            <a:schemeClr val="accent1"/>
-          </a:fillRef>
-          <a:effectRef idx="0">
-            <a:schemeClr val="accent1"/>
-          </a:effectRef>
-          <a:fontRef idx="minor">
-            <a:schemeClr val="lt1"/>
-          </a:fontRef>
-        </p:style>
-        <p:txBody>
-          <a:bodyPr rtlCol="0" anchor="ctr"/>
-          <a:lstStyle/>
-          <a:p>
-            <a:pPr algn="ctr"/>
-            <a:endParaRPr lang="en-US"/>
-          </a:p>
-        </p:txBody>
-      </p:sp>
-      <p:sp>
-        <p:nvSpPr>
-          <p:cNvPr id="19" name="TextBox 18">
-            <a:extLst>
-              <a:ext uri="{FF2B5EF4-FFF2-40B4-BE49-F238E27FC236}">
-                <a16:creationId xmlns:a16="http://schemas.microsoft.com/office/drawing/2014/main" id="{141C85CE-1BFB-4F24-BB06-1D56FF8CC693}"/>
+          <p:cNvPr id="32" name="TextBox 31">
+            <a:extLst>
+              <a:ext uri="{FF2B5EF4-FFF2-40B4-BE49-F238E27FC236}">
+                <a16:creationId xmlns:a16="http://schemas.microsoft.com/office/drawing/2014/main" id="{64AA7BC9-749A-4F81-90D1-5041749419E9}"/>
               </a:ext>
             </a:extLst>
           </p:cNvPr>
@@ -3901,8 +4247,8 @@
         </p:nvSpPr>
         <p:spPr>
           <a:xfrm>
-            <a:off x="2607945" y="4186257"/>
-            <a:ext cx="1878330" cy="646331"/>
+            <a:off x="6872287" y="592435"/>
+            <a:ext cx="1602105" cy="923330"/>
           </a:xfrm>
           <a:prstGeom prst="rect">
             <a:avLst/>
@@ -3917,109 +4263,17 @@
           <a:p>
             <a:r>
               <a:rPr lang="en-US" dirty="0"/>
-              <a:t>Splitting data into Training/Test set</a:t>
-            </a:r>
-          </a:p>
-        </p:txBody>
-      </p:sp>
-      <p:sp>
-        <p:nvSpPr>
-          <p:cNvPr id="20" name="Arrow: Right 19">
-            <a:extLst>
-              <a:ext uri="{FF2B5EF4-FFF2-40B4-BE49-F238E27FC236}">
-                <a16:creationId xmlns:a16="http://schemas.microsoft.com/office/drawing/2014/main" id="{52F0C5B6-7645-4562-8510-C5427EB13765}"/>
-              </a:ext>
-            </a:extLst>
-          </p:cNvPr>
-          <p:cNvSpPr/>
-          <p:nvPr/>
-        </p:nvSpPr>
-        <p:spPr>
-          <a:xfrm>
-            <a:off x="4942840" y="4363720"/>
-            <a:ext cx="873760" cy="426720"/>
-          </a:xfrm>
-          <a:prstGeom prst="rightArrow">
-            <a:avLst/>
-          </a:prstGeom>
-        </p:spPr>
-        <p:style>
-          <a:lnRef idx="2">
-            <a:schemeClr val="accent1">
-              <a:shade val="50000"/>
-            </a:schemeClr>
-          </a:lnRef>
-          <a:fillRef idx="1">
-            <a:schemeClr val="accent1"/>
-          </a:fillRef>
-          <a:effectRef idx="0">
-            <a:schemeClr val="accent1"/>
-          </a:effectRef>
-          <a:fontRef idx="minor">
-            <a:schemeClr val="lt1"/>
-          </a:fontRef>
-        </p:style>
-        <p:txBody>
-          <a:bodyPr rtlCol="0" anchor="ctr"/>
-          <a:lstStyle/>
-          <a:p>
-            <a:pPr algn="ctr"/>
-            <a:endParaRPr lang="en-US"/>
-          </a:p>
-        </p:txBody>
-      </p:sp>
-      <p:sp>
-        <p:nvSpPr>
-          <p:cNvPr id="21" name="Rectangle 20">
-            <a:extLst>
-              <a:ext uri="{FF2B5EF4-FFF2-40B4-BE49-F238E27FC236}">
-                <a16:creationId xmlns:a16="http://schemas.microsoft.com/office/drawing/2014/main" id="{7116EA31-6BB8-4276-ABF2-0D3CE132DE30}"/>
-              </a:ext>
-            </a:extLst>
-          </p:cNvPr>
-          <p:cNvSpPr/>
-          <p:nvPr/>
-        </p:nvSpPr>
-        <p:spPr>
-          <a:xfrm>
-            <a:off x="6216650" y="4023359"/>
-            <a:ext cx="1991360" cy="1107440"/>
-          </a:xfrm>
-          <a:prstGeom prst="rect">
-            <a:avLst/>
-          </a:prstGeom>
-        </p:spPr>
-        <p:style>
-          <a:lnRef idx="2">
-            <a:schemeClr val="accent1">
-              <a:shade val="50000"/>
-            </a:schemeClr>
-          </a:lnRef>
-          <a:fillRef idx="1">
-            <a:schemeClr val="accent1"/>
-          </a:fillRef>
-          <a:effectRef idx="0">
-            <a:schemeClr val="accent1"/>
-          </a:effectRef>
-          <a:fontRef idx="minor">
-            <a:schemeClr val="lt1"/>
-          </a:fontRef>
-        </p:style>
-        <p:txBody>
-          <a:bodyPr rtlCol="0" anchor="ctr"/>
-          <a:lstStyle/>
-          <a:p>
-            <a:pPr algn="ctr"/>
-            <a:endParaRPr lang="en-US"/>
-          </a:p>
-        </p:txBody>
-      </p:sp>
-      <p:sp>
-        <p:nvSpPr>
-          <p:cNvPr id="22" name="TextBox 21">
-            <a:extLst>
-              <a:ext uri="{FF2B5EF4-FFF2-40B4-BE49-F238E27FC236}">
-                <a16:creationId xmlns:a16="http://schemas.microsoft.com/office/drawing/2014/main" id="{9A5551AC-B5CA-46E3-BFBB-2F113CF69BDA}"/>
+              <a:t>Test set – For final model evaluation</a:t>
+            </a:r>
+          </a:p>
+        </p:txBody>
+      </p:sp>
+      <p:sp>
+        <p:nvSpPr>
+          <p:cNvPr id="33" name="TextBox 32">
+            <a:extLst>
+              <a:ext uri="{FF2B5EF4-FFF2-40B4-BE49-F238E27FC236}">
+                <a16:creationId xmlns:a16="http://schemas.microsoft.com/office/drawing/2014/main" id="{E614A8D4-2624-4A26-8F31-2A81187658F7}"/>
               </a:ext>
             </a:extLst>
           </p:cNvPr>
@@ -4028,8 +4282,8 @@
         </p:nvSpPr>
         <p:spPr>
           <a:xfrm>
-            <a:off x="6740525" y="4115414"/>
-            <a:ext cx="1270000" cy="923330"/>
+            <a:off x="8725535" y="2673587"/>
+            <a:ext cx="1602105" cy="369332"/>
           </a:xfrm>
           <a:prstGeom prst="rect">
             <a:avLst/>
@@ -4044,7 +4298,7 @@
           <a:p>
             <a:r>
               <a:rPr lang="en-US" dirty="0"/>
-              <a:t>Fitting to Mixture Model</a:t>
+              <a:t>Training set</a:t>
             </a:r>
           </a:p>
         </p:txBody>

--- a/MLM Diagram.pptx
+++ b/MLM Diagram.pptx
@@ -259,7 +259,7 @@
           <a:p>
             <a:fld id="{F6E5126B-21E6-487F-966D-C011DEC8F446}" type="datetimeFigureOut">
               <a:rPr lang="en-US" smtClean="0"/>
-              <a:t>4/15/2022</a:t>
+              <a:t>4/22/2022</a:t>
             </a:fld>
             <a:endParaRPr lang="en-US"/>
           </a:p>
@@ -457,7 +457,7 @@
           <a:p>
             <a:fld id="{F6E5126B-21E6-487F-966D-C011DEC8F446}" type="datetimeFigureOut">
               <a:rPr lang="en-US" smtClean="0"/>
-              <a:t>4/15/2022</a:t>
+              <a:t>4/22/2022</a:t>
             </a:fld>
             <a:endParaRPr lang="en-US"/>
           </a:p>
@@ -665,7 +665,7 @@
           <a:p>
             <a:fld id="{F6E5126B-21E6-487F-966D-C011DEC8F446}" type="datetimeFigureOut">
               <a:rPr lang="en-US" smtClean="0"/>
-              <a:t>4/15/2022</a:t>
+              <a:t>4/22/2022</a:t>
             </a:fld>
             <a:endParaRPr lang="en-US"/>
           </a:p>
@@ -863,7 +863,7 @@
           <a:p>
             <a:fld id="{F6E5126B-21E6-487F-966D-C011DEC8F446}" type="datetimeFigureOut">
               <a:rPr lang="en-US" smtClean="0"/>
-              <a:t>4/15/2022</a:t>
+              <a:t>4/22/2022</a:t>
             </a:fld>
             <a:endParaRPr lang="en-US"/>
           </a:p>
@@ -1138,7 +1138,7 @@
           <a:p>
             <a:fld id="{F6E5126B-21E6-487F-966D-C011DEC8F446}" type="datetimeFigureOut">
               <a:rPr lang="en-US" smtClean="0"/>
-              <a:t>4/15/2022</a:t>
+              <a:t>4/22/2022</a:t>
             </a:fld>
             <a:endParaRPr lang="en-US"/>
           </a:p>
@@ -1403,7 +1403,7 @@
           <a:p>
             <a:fld id="{F6E5126B-21E6-487F-966D-C011DEC8F446}" type="datetimeFigureOut">
               <a:rPr lang="en-US" smtClean="0"/>
-              <a:t>4/15/2022</a:t>
+              <a:t>4/22/2022</a:t>
             </a:fld>
             <a:endParaRPr lang="en-US"/>
           </a:p>
@@ -1815,7 +1815,7 @@
           <a:p>
             <a:fld id="{F6E5126B-21E6-487F-966D-C011DEC8F446}" type="datetimeFigureOut">
               <a:rPr lang="en-US" smtClean="0"/>
-              <a:t>4/15/2022</a:t>
+              <a:t>4/22/2022</a:t>
             </a:fld>
             <a:endParaRPr lang="en-US"/>
           </a:p>
@@ -1956,7 +1956,7 @@
           <a:p>
             <a:fld id="{F6E5126B-21E6-487F-966D-C011DEC8F446}" type="datetimeFigureOut">
               <a:rPr lang="en-US" smtClean="0"/>
-              <a:t>4/15/2022</a:t>
+              <a:t>4/22/2022</a:t>
             </a:fld>
             <a:endParaRPr lang="en-US"/>
           </a:p>
@@ -2069,7 +2069,7 @@
           <a:p>
             <a:fld id="{F6E5126B-21E6-487F-966D-C011DEC8F446}" type="datetimeFigureOut">
               <a:rPr lang="en-US" smtClean="0"/>
-              <a:t>4/15/2022</a:t>
+              <a:t>4/22/2022</a:t>
             </a:fld>
             <a:endParaRPr lang="en-US"/>
           </a:p>
@@ -2380,7 +2380,7 @@
           <a:p>
             <a:fld id="{F6E5126B-21E6-487F-966D-C011DEC8F446}" type="datetimeFigureOut">
               <a:rPr lang="en-US" smtClean="0"/>
-              <a:t>4/15/2022</a:t>
+              <a:t>4/22/2022</a:t>
             </a:fld>
             <a:endParaRPr lang="en-US"/>
           </a:p>
@@ -2668,7 +2668,7 @@
           <a:p>
             <a:fld id="{F6E5126B-21E6-487F-966D-C011DEC8F446}" type="datetimeFigureOut">
               <a:rPr lang="en-US" smtClean="0"/>
-              <a:t>4/15/2022</a:t>
+              <a:t>4/22/2022</a:t>
             </a:fld>
             <a:endParaRPr lang="en-US"/>
           </a:p>
@@ -2909,7 +2909,7 @@
           <a:p>
             <a:fld id="{F6E5126B-21E6-487F-966D-C011DEC8F446}" type="datetimeFigureOut">
               <a:rPr lang="en-US" smtClean="0"/>
-              <a:t>4/15/2022</a:t>
+              <a:t>4/22/2022</a:t>
             </a:fld>
             <a:endParaRPr lang="en-US"/>
           </a:p>
@@ -3328,10 +3328,10 @@
       </p:grpSpPr>
       <p:sp>
         <p:nvSpPr>
-          <p:cNvPr id="24" name="Rectangle 23">
-            <a:extLst>
-              <a:ext uri="{FF2B5EF4-FFF2-40B4-BE49-F238E27FC236}">
-                <a16:creationId xmlns:a16="http://schemas.microsoft.com/office/drawing/2014/main" id="{1AD9F0E6-195B-480F-9D9E-77D90FBAE7E7}"/>
+          <p:cNvPr id="50" name="Rectangle 49">
+            <a:extLst>
+              <a:ext uri="{FF2B5EF4-FFF2-40B4-BE49-F238E27FC236}">
+                <a16:creationId xmlns:a16="http://schemas.microsoft.com/office/drawing/2014/main" id="{A9E80F2B-1BF6-4848-87B3-1F3502E340EA}"/>
               </a:ext>
             </a:extLst>
           </p:cNvPr>
@@ -3340,8 +3340,8 @@
         </p:nvSpPr>
         <p:spPr>
           <a:xfrm>
-            <a:off x="9899015" y="428439"/>
-            <a:ext cx="1991360" cy="1107440"/>
+            <a:off x="6811500" y="1226700"/>
+            <a:ext cx="2615824" cy="1003091"/>
           </a:xfrm>
           <a:prstGeom prst="rect">
             <a:avLst/>
@@ -3374,10 +3374,10 @@
       </p:sp>
       <p:sp>
         <p:nvSpPr>
-          <p:cNvPr id="18" name="Rectangle 17">
-            <a:extLst>
-              <a:ext uri="{FF2B5EF4-FFF2-40B4-BE49-F238E27FC236}">
-                <a16:creationId xmlns:a16="http://schemas.microsoft.com/office/drawing/2014/main" id="{757C199F-8C40-4245-9FB3-B030C4B229ED}"/>
+          <p:cNvPr id="35" name="Rectangle 34">
+            <a:extLst>
+              <a:ext uri="{FF2B5EF4-FFF2-40B4-BE49-F238E27FC236}">
+                <a16:creationId xmlns:a16="http://schemas.microsoft.com/office/drawing/2014/main" id="{AF74D8AD-0652-43F4-BA00-708AC75F72E8}"/>
               </a:ext>
             </a:extLst>
           </p:cNvPr>
@@ -3386,8 +3386,8 @@
         </p:nvSpPr>
         <p:spPr>
           <a:xfrm>
-            <a:off x="10092690" y="4313371"/>
-            <a:ext cx="1991360" cy="1107440"/>
+            <a:off x="2961159" y="2585321"/>
+            <a:ext cx="1450803" cy="976832"/>
           </a:xfrm>
           <a:prstGeom prst="rect">
             <a:avLst/>
@@ -3420,10 +3420,10 @@
       </p:sp>
       <p:sp>
         <p:nvSpPr>
-          <p:cNvPr id="4" name="Rectangle 3">
-            <a:extLst>
-              <a:ext uri="{FF2B5EF4-FFF2-40B4-BE49-F238E27FC236}">
-                <a16:creationId xmlns:a16="http://schemas.microsoft.com/office/drawing/2014/main" id="{7191187E-D547-44AC-8864-11C8BB1492A8}"/>
+          <p:cNvPr id="38" name="Rectangle 37">
+            <a:extLst>
+              <a:ext uri="{FF2B5EF4-FFF2-40B4-BE49-F238E27FC236}">
+                <a16:creationId xmlns:a16="http://schemas.microsoft.com/office/drawing/2014/main" id="{E005C18E-DBD8-469E-A8D5-F90F08887D53}"/>
               </a:ext>
             </a:extLst>
           </p:cNvPr>
@@ -3432,8 +3432,8 @@
         </p:nvSpPr>
         <p:spPr>
           <a:xfrm>
-            <a:off x="294640" y="2494280"/>
-            <a:ext cx="1991360" cy="1107440"/>
+            <a:off x="8599109" y="4965980"/>
+            <a:ext cx="2922330" cy="1151403"/>
           </a:xfrm>
           <a:prstGeom prst="rect">
             <a:avLst/>
@@ -3466,10 +3466,10 @@
       </p:sp>
       <p:sp>
         <p:nvSpPr>
-          <p:cNvPr id="5" name="Rectangle 4">
-            <a:extLst>
-              <a:ext uri="{FF2B5EF4-FFF2-40B4-BE49-F238E27FC236}">
-                <a16:creationId xmlns:a16="http://schemas.microsoft.com/office/drawing/2014/main" id="{63CCF968-E9B2-42EB-AD7A-781109BFBC77}"/>
+          <p:cNvPr id="34" name="Rectangle 33">
+            <a:extLst>
+              <a:ext uri="{FF2B5EF4-FFF2-40B4-BE49-F238E27FC236}">
+                <a16:creationId xmlns:a16="http://schemas.microsoft.com/office/drawing/2014/main" id="{F5C526DF-FED2-4C13-AA0F-4E35F1B451B6}"/>
               </a:ext>
             </a:extLst>
           </p:cNvPr>
@@ -3478,8 +3478,8 @@
         </p:nvSpPr>
         <p:spPr>
           <a:xfrm>
-            <a:off x="3479800" y="2494280"/>
-            <a:ext cx="1991360" cy="1107440"/>
+            <a:off x="40640" y="1731724"/>
+            <a:ext cx="2363783" cy="1107440"/>
           </a:xfrm>
           <a:prstGeom prst="rect">
             <a:avLst/>
@@ -3512,10 +3512,10 @@
       </p:sp>
       <p:sp>
         <p:nvSpPr>
-          <p:cNvPr id="6" name="Rectangle 5">
-            <a:extLst>
-              <a:ext uri="{FF2B5EF4-FFF2-40B4-BE49-F238E27FC236}">
-                <a16:creationId xmlns:a16="http://schemas.microsoft.com/office/drawing/2014/main" id="{55AFEF9E-B292-4863-83A4-38E2E097C1EF}"/>
+          <p:cNvPr id="24" name="Rectangle 23">
+            <a:extLst>
+              <a:ext uri="{FF2B5EF4-FFF2-40B4-BE49-F238E27FC236}">
+                <a16:creationId xmlns:a16="http://schemas.microsoft.com/office/drawing/2014/main" id="{1AD9F0E6-195B-480F-9D9E-77D90FBAE7E7}"/>
               </a:ext>
             </a:extLst>
           </p:cNvPr>
@@ -3524,8 +3524,8 @@
         </p:nvSpPr>
         <p:spPr>
           <a:xfrm>
-            <a:off x="6664960" y="2509520"/>
-            <a:ext cx="1991360" cy="1107440"/>
+            <a:off x="2867490" y="5700888"/>
+            <a:ext cx="1309189" cy="774241"/>
           </a:xfrm>
           <a:prstGeom prst="rect">
             <a:avLst/>
@@ -3558,10 +3558,10 @@
       </p:sp>
       <p:sp>
         <p:nvSpPr>
-          <p:cNvPr id="7" name="Rectangle 6">
-            <a:extLst>
-              <a:ext uri="{FF2B5EF4-FFF2-40B4-BE49-F238E27FC236}">
-                <a16:creationId xmlns:a16="http://schemas.microsoft.com/office/drawing/2014/main" id="{E82E1BE9-8315-4600-8D3A-50F3A4161952}"/>
+          <p:cNvPr id="18" name="Rectangle 17">
+            <a:extLst>
+              <a:ext uri="{FF2B5EF4-FFF2-40B4-BE49-F238E27FC236}">
+                <a16:creationId xmlns:a16="http://schemas.microsoft.com/office/drawing/2014/main" id="{757C199F-8C40-4245-9FB3-B030C4B229ED}"/>
               </a:ext>
             </a:extLst>
           </p:cNvPr>
@@ -3570,8 +3570,8 @@
         </p:nvSpPr>
         <p:spPr>
           <a:xfrm>
-            <a:off x="10133330" y="2509520"/>
-            <a:ext cx="1991360" cy="1107440"/>
+            <a:off x="4191910" y="620806"/>
+            <a:ext cx="2051558" cy="1107440"/>
           </a:xfrm>
           <a:prstGeom prst="rect">
             <a:avLst/>
@@ -3604,192 +3604,10 @@
       </p:sp>
       <p:sp>
         <p:nvSpPr>
-          <p:cNvPr id="8" name="TextBox 7">
-            <a:extLst>
-              <a:ext uri="{FF2B5EF4-FFF2-40B4-BE49-F238E27FC236}">
-                <a16:creationId xmlns:a16="http://schemas.microsoft.com/office/drawing/2014/main" id="{AAD92C0F-19DF-4EF4-A879-00BE6EF0F818}"/>
-              </a:ext>
-            </a:extLst>
-          </p:cNvPr>
-          <p:cNvSpPr txBox="1"/>
-          <p:nvPr/>
-        </p:nvSpPr>
-        <p:spPr>
-          <a:xfrm>
-            <a:off x="619760" y="2724834"/>
-            <a:ext cx="1341120" cy="646331"/>
-          </a:xfrm>
-          <a:prstGeom prst="rect">
-            <a:avLst/>
-          </a:prstGeom>
-          <a:noFill/>
-        </p:spPr>
-        <p:txBody>
-          <a:bodyPr wrap="square" rtlCol="0">
-            <a:spAutoFit/>
-          </a:bodyPr>
-          <a:lstStyle/>
-          <a:p>
-            <a:pPr algn="ctr"/>
-            <a:r>
-              <a:rPr lang="en-US" dirty="0"/>
-              <a:t>Imported Data</a:t>
-            </a:r>
-          </a:p>
-        </p:txBody>
-      </p:sp>
-      <p:sp>
-        <p:nvSpPr>
-          <p:cNvPr id="12" name="TextBox 11">
-            <a:extLst>
-              <a:ext uri="{FF2B5EF4-FFF2-40B4-BE49-F238E27FC236}">
-                <a16:creationId xmlns:a16="http://schemas.microsoft.com/office/drawing/2014/main" id="{B469EFD4-D211-4C31-A7D2-5DD03E4A2F35}"/>
-              </a:ext>
-            </a:extLst>
-          </p:cNvPr>
-          <p:cNvSpPr txBox="1"/>
-          <p:nvPr/>
-        </p:nvSpPr>
-        <p:spPr>
-          <a:xfrm>
-            <a:off x="3887470" y="2615618"/>
-            <a:ext cx="1389380" cy="923330"/>
-          </a:xfrm>
-          <a:prstGeom prst="rect">
-            <a:avLst/>
-          </a:prstGeom>
-          <a:noFill/>
-        </p:spPr>
-        <p:txBody>
-          <a:bodyPr wrap="square" rtlCol="0">
-            <a:spAutoFit/>
-          </a:bodyPr>
-          <a:lstStyle/>
-          <a:p>
-            <a:r>
-              <a:rPr lang="en-US" dirty="0"/>
-              <a:t>Factored Categorical Data</a:t>
-            </a:r>
-          </a:p>
-        </p:txBody>
-      </p:sp>
-      <p:sp>
-        <p:nvSpPr>
-          <p:cNvPr id="15" name="TextBox 14">
-            <a:extLst>
-              <a:ext uri="{FF2B5EF4-FFF2-40B4-BE49-F238E27FC236}">
-                <a16:creationId xmlns:a16="http://schemas.microsoft.com/office/drawing/2014/main" id="{667A39BC-CA07-4B6D-835D-979D33FDC406}"/>
-              </a:ext>
-            </a:extLst>
-          </p:cNvPr>
-          <p:cNvSpPr txBox="1"/>
-          <p:nvPr/>
-        </p:nvSpPr>
-        <p:spPr>
-          <a:xfrm>
-            <a:off x="10316210" y="4405426"/>
-            <a:ext cx="1722120" cy="923330"/>
-          </a:xfrm>
-          <a:prstGeom prst="rect">
-            <a:avLst/>
-          </a:prstGeom>
-          <a:noFill/>
-        </p:spPr>
-        <p:txBody>
-          <a:bodyPr wrap="square" rtlCol="0">
-            <a:spAutoFit/>
-          </a:bodyPr>
-          <a:lstStyle/>
-          <a:p>
-            <a:r>
-              <a:rPr lang="en-US" dirty="0"/>
-              <a:t>Standardizing </a:t>
-            </a:r>
-          </a:p>
-          <a:p>
-            <a:r>
-              <a:rPr lang="en-US" dirty="0"/>
-              <a:t>Data (Standard Normal)</a:t>
-            </a:r>
-          </a:p>
-        </p:txBody>
-      </p:sp>
-      <p:sp>
-        <p:nvSpPr>
-          <p:cNvPr id="16" name="TextBox 15">
-            <a:extLst>
-              <a:ext uri="{FF2B5EF4-FFF2-40B4-BE49-F238E27FC236}">
-                <a16:creationId xmlns:a16="http://schemas.microsoft.com/office/drawing/2014/main" id="{24A35BE6-C1EF-4375-A5E2-CA9D48F537E4}"/>
-              </a:ext>
-            </a:extLst>
-          </p:cNvPr>
-          <p:cNvSpPr txBox="1"/>
-          <p:nvPr/>
-        </p:nvSpPr>
-        <p:spPr>
-          <a:xfrm>
-            <a:off x="10407650" y="2581254"/>
-            <a:ext cx="1676400" cy="923330"/>
-          </a:xfrm>
-          <a:prstGeom prst="rect">
-            <a:avLst/>
-          </a:prstGeom>
-          <a:noFill/>
-        </p:spPr>
-        <p:txBody>
-          <a:bodyPr wrap="square" rtlCol="0">
-            <a:spAutoFit/>
-          </a:bodyPr>
-          <a:lstStyle/>
-          <a:p>
-            <a:r>
-              <a:rPr lang="en-US" dirty="0"/>
-              <a:t>Outlier Detection (boxplot)</a:t>
-            </a:r>
-          </a:p>
-        </p:txBody>
-      </p:sp>
-      <p:sp>
-        <p:nvSpPr>
-          <p:cNvPr id="19" name="TextBox 18">
-            <a:extLst>
-              <a:ext uri="{FF2B5EF4-FFF2-40B4-BE49-F238E27FC236}">
-                <a16:creationId xmlns:a16="http://schemas.microsoft.com/office/drawing/2014/main" id="{141C85CE-1BFB-4F24-BB06-1D56FF8CC693}"/>
-              </a:ext>
-            </a:extLst>
-          </p:cNvPr>
-          <p:cNvSpPr txBox="1"/>
-          <p:nvPr/>
-        </p:nvSpPr>
-        <p:spPr>
-          <a:xfrm>
-            <a:off x="6734175" y="2721388"/>
-            <a:ext cx="1878330" cy="646331"/>
-          </a:xfrm>
-          <a:prstGeom prst="rect">
-            <a:avLst/>
-          </a:prstGeom>
-          <a:noFill/>
-        </p:spPr>
-        <p:txBody>
-          <a:bodyPr wrap="square" rtlCol="0">
-            <a:spAutoFit/>
-          </a:bodyPr>
-          <a:lstStyle/>
-          <a:p>
-            <a:r>
-              <a:rPr lang="en-US" dirty="0"/>
-              <a:t>Splitting data into Training/Test set</a:t>
-            </a:r>
-          </a:p>
-        </p:txBody>
-      </p:sp>
-      <p:sp>
-        <p:nvSpPr>
-          <p:cNvPr id="21" name="Rectangle 20">
-            <a:extLst>
-              <a:ext uri="{FF2B5EF4-FFF2-40B4-BE49-F238E27FC236}">
-                <a16:creationId xmlns:a16="http://schemas.microsoft.com/office/drawing/2014/main" id="{7116EA31-6BB8-4276-ABF2-0D3CE132DE30}"/>
+          <p:cNvPr id="4" name="Rectangle 3">
+            <a:extLst>
+              <a:ext uri="{FF2B5EF4-FFF2-40B4-BE49-F238E27FC236}">
+                <a16:creationId xmlns:a16="http://schemas.microsoft.com/office/drawing/2014/main" id="{7191187E-D547-44AC-8864-11C8BB1492A8}"/>
               </a:ext>
             </a:extLst>
           </p:cNvPr>
@@ -3798,8 +3616,8 @@
         </p:nvSpPr>
         <p:spPr>
           <a:xfrm>
-            <a:off x="6734175" y="4405426"/>
-            <a:ext cx="1991360" cy="1107440"/>
+            <a:off x="316865" y="0"/>
+            <a:ext cx="1107440" cy="1107440"/>
           </a:xfrm>
           <a:prstGeom prst="rect">
             <a:avLst/>
@@ -3832,10 +3650,102 @@
       </p:sp>
       <p:sp>
         <p:nvSpPr>
-          <p:cNvPr id="22" name="TextBox 21">
-            <a:extLst>
-              <a:ext uri="{FF2B5EF4-FFF2-40B4-BE49-F238E27FC236}">
-                <a16:creationId xmlns:a16="http://schemas.microsoft.com/office/drawing/2014/main" id="{9A5551AC-B5CA-46E3-BFBB-2F113CF69BDA}"/>
+          <p:cNvPr id="6" name="Rectangle 5">
+            <a:extLst>
+              <a:ext uri="{FF2B5EF4-FFF2-40B4-BE49-F238E27FC236}">
+                <a16:creationId xmlns:a16="http://schemas.microsoft.com/office/drawing/2014/main" id="{55AFEF9E-B292-4863-83A4-38E2E097C1EF}"/>
+              </a:ext>
+            </a:extLst>
+          </p:cNvPr>
+          <p:cNvSpPr/>
+          <p:nvPr/>
+        </p:nvSpPr>
+        <p:spPr>
+          <a:xfrm>
+            <a:off x="241618" y="3662269"/>
+            <a:ext cx="1991360" cy="1107440"/>
+          </a:xfrm>
+          <a:prstGeom prst="rect">
+            <a:avLst/>
+          </a:prstGeom>
+        </p:spPr>
+        <p:style>
+          <a:lnRef idx="2">
+            <a:schemeClr val="accent1">
+              <a:shade val="50000"/>
+            </a:schemeClr>
+          </a:lnRef>
+          <a:fillRef idx="1">
+            <a:schemeClr val="accent1"/>
+          </a:fillRef>
+          <a:effectRef idx="0">
+            <a:schemeClr val="accent1"/>
+          </a:effectRef>
+          <a:fontRef idx="minor">
+            <a:schemeClr val="lt1"/>
+          </a:fontRef>
+        </p:style>
+        <p:txBody>
+          <a:bodyPr rtlCol="0" anchor="ctr"/>
+          <a:lstStyle/>
+          <a:p>
+            <a:pPr algn="ctr"/>
+            <a:endParaRPr lang="en-US"/>
+          </a:p>
+        </p:txBody>
+      </p:sp>
+      <p:sp>
+        <p:nvSpPr>
+          <p:cNvPr id="7" name="Rectangle 6">
+            <a:extLst>
+              <a:ext uri="{FF2B5EF4-FFF2-40B4-BE49-F238E27FC236}">
+                <a16:creationId xmlns:a16="http://schemas.microsoft.com/office/drawing/2014/main" id="{E82E1BE9-8315-4600-8D3A-50F3A4161952}"/>
+              </a:ext>
+            </a:extLst>
+          </p:cNvPr>
+          <p:cNvSpPr/>
+          <p:nvPr/>
+        </p:nvSpPr>
+        <p:spPr>
+          <a:xfrm>
+            <a:off x="4983512" y="2520017"/>
+            <a:ext cx="1132415" cy="1107440"/>
+          </a:xfrm>
+          <a:prstGeom prst="rect">
+            <a:avLst/>
+          </a:prstGeom>
+        </p:spPr>
+        <p:style>
+          <a:lnRef idx="2">
+            <a:schemeClr val="accent1">
+              <a:shade val="50000"/>
+            </a:schemeClr>
+          </a:lnRef>
+          <a:fillRef idx="1">
+            <a:schemeClr val="accent1"/>
+          </a:fillRef>
+          <a:effectRef idx="0">
+            <a:schemeClr val="accent1"/>
+          </a:effectRef>
+          <a:fontRef idx="minor">
+            <a:schemeClr val="lt1"/>
+          </a:fontRef>
+        </p:style>
+        <p:txBody>
+          <a:bodyPr rtlCol="0" anchor="ctr"/>
+          <a:lstStyle/>
+          <a:p>
+            <a:pPr algn="ctr"/>
+            <a:endParaRPr lang="en-US"/>
+          </a:p>
+        </p:txBody>
+      </p:sp>
+      <p:sp>
+        <p:nvSpPr>
+          <p:cNvPr id="8" name="TextBox 7">
+            <a:extLst>
+              <a:ext uri="{FF2B5EF4-FFF2-40B4-BE49-F238E27FC236}">
+                <a16:creationId xmlns:a16="http://schemas.microsoft.com/office/drawing/2014/main" id="{AAD92C0F-19DF-4EF4-A879-00BE6EF0F818}"/>
               </a:ext>
             </a:extLst>
           </p:cNvPr>
@@ -3844,8 +3754,8 @@
         </p:nvSpPr>
         <p:spPr>
           <a:xfrm>
-            <a:off x="10259694" y="638459"/>
-            <a:ext cx="1495425" cy="646331"/>
+            <a:off x="241618" y="230554"/>
+            <a:ext cx="1341120" cy="646331"/>
           </a:xfrm>
           <a:prstGeom prst="rect">
             <a:avLst/>
@@ -3858,19 +3768,20 @@
           </a:bodyPr>
           <a:lstStyle/>
           <a:p>
+            <a:pPr algn="ctr"/>
             <a:r>
               <a:rPr lang="en-US" dirty="0"/>
-              <a:t>Final Model Testing </a:t>
-            </a:r>
-          </a:p>
-        </p:txBody>
-      </p:sp>
-      <p:sp>
-        <p:nvSpPr>
-          <p:cNvPr id="23" name="TextBox 22">
-            <a:extLst>
-              <a:ext uri="{FF2B5EF4-FFF2-40B4-BE49-F238E27FC236}">
-                <a16:creationId xmlns:a16="http://schemas.microsoft.com/office/drawing/2014/main" id="{FBF1DE83-7E65-47AB-B3AF-812A9DF4D302}"/>
+              <a:t>Imported Data</a:t>
+            </a:r>
+          </a:p>
+        </p:txBody>
+      </p:sp>
+      <p:sp>
+        <p:nvSpPr>
+          <p:cNvPr id="12" name="TextBox 11">
+            <a:extLst>
+              <a:ext uri="{FF2B5EF4-FFF2-40B4-BE49-F238E27FC236}">
+                <a16:creationId xmlns:a16="http://schemas.microsoft.com/office/drawing/2014/main" id="{B469EFD4-D211-4C31-A7D2-5DD03E4A2F35}"/>
               </a:ext>
             </a:extLst>
           </p:cNvPr>
@@ -3879,8 +3790,8 @@
         </p:nvSpPr>
         <p:spPr>
           <a:xfrm>
-            <a:off x="7094855" y="4518660"/>
-            <a:ext cx="1270000" cy="923330"/>
+            <a:off x="0" y="1776491"/>
+            <a:ext cx="2363783" cy="1200329"/>
           </a:xfrm>
           <a:prstGeom prst="rect">
             <a:avLst/>
@@ -3895,7 +3806,243 @@
           <a:p>
             <a:r>
               <a:rPr lang="en-US" dirty="0"/>
-              <a:t>Backward Feature Selection</a:t>
+              <a:t>Coding for Categorical Features</a:t>
+            </a:r>
+          </a:p>
+          <a:p>
+            <a:r>
+              <a:rPr lang="en-US" dirty="0"/>
+              <a:t>(Used factor() function)</a:t>
+            </a:r>
+          </a:p>
+          <a:p>
+            <a:endParaRPr lang="en-US" dirty="0"/>
+          </a:p>
+        </p:txBody>
+      </p:sp>
+      <p:sp>
+        <p:nvSpPr>
+          <p:cNvPr id="15" name="TextBox 14">
+            <a:extLst>
+              <a:ext uri="{FF2B5EF4-FFF2-40B4-BE49-F238E27FC236}">
+                <a16:creationId xmlns:a16="http://schemas.microsoft.com/office/drawing/2014/main" id="{667A39BC-CA07-4B6D-835D-979D33FDC406}"/>
+              </a:ext>
+            </a:extLst>
+          </p:cNvPr>
+          <p:cNvSpPr txBox="1"/>
+          <p:nvPr/>
+        </p:nvSpPr>
+        <p:spPr>
+          <a:xfrm>
+            <a:off x="4198206" y="739573"/>
+            <a:ext cx="2152430" cy="923330"/>
+          </a:xfrm>
+          <a:prstGeom prst="rect">
+            <a:avLst/>
+          </a:prstGeom>
+          <a:noFill/>
+        </p:spPr>
+        <p:txBody>
+          <a:bodyPr wrap="square" rtlCol="0">
+            <a:spAutoFit/>
+          </a:bodyPr>
+          <a:lstStyle/>
+          <a:p>
+            <a:r>
+              <a:rPr lang="en-US" dirty="0"/>
+              <a:t>Standardizing </a:t>
+            </a:r>
+          </a:p>
+          <a:p>
+            <a:r>
+              <a:rPr lang="en-US" dirty="0"/>
+              <a:t>Continuous Variables (Standard Normal)</a:t>
+            </a:r>
+          </a:p>
+        </p:txBody>
+      </p:sp>
+      <p:sp>
+        <p:nvSpPr>
+          <p:cNvPr id="16" name="TextBox 15">
+            <a:extLst>
+              <a:ext uri="{FF2B5EF4-FFF2-40B4-BE49-F238E27FC236}">
+                <a16:creationId xmlns:a16="http://schemas.microsoft.com/office/drawing/2014/main" id="{24A35BE6-C1EF-4375-A5E2-CA9D48F537E4}"/>
+              </a:ext>
+            </a:extLst>
+          </p:cNvPr>
+          <p:cNvSpPr txBox="1"/>
+          <p:nvPr/>
+        </p:nvSpPr>
+        <p:spPr>
+          <a:xfrm>
+            <a:off x="5041763" y="2612072"/>
+            <a:ext cx="1224151" cy="923330"/>
+          </a:xfrm>
+          <a:prstGeom prst="rect">
+            <a:avLst/>
+          </a:prstGeom>
+          <a:noFill/>
+        </p:spPr>
+        <p:txBody>
+          <a:bodyPr wrap="square" rtlCol="0">
+            <a:spAutoFit/>
+          </a:bodyPr>
+          <a:lstStyle/>
+          <a:p>
+            <a:r>
+              <a:rPr lang="en-US" dirty="0"/>
+              <a:t>Outlier Detection (boxplot)</a:t>
+            </a:r>
+          </a:p>
+        </p:txBody>
+      </p:sp>
+      <p:sp>
+        <p:nvSpPr>
+          <p:cNvPr id="19" name="TextBox 18">
+            <a:extLst>
+              <a:ext uri="{FF2B5EF4-FFF2-40B4-BE49-F238E27FC236}">
+                <a16:creationId xmlns:a16="http://schemas.microsoft.com/office/drawing/2014/main" id="{141C85CE-1BFB-4F24-BB06-1D56FF8CC693}"/>
+              </a:ext>
+            </a:extLst>
+          </p:cNvPr>
+          <p:cNvSpPr txBox="1"/>
+          <p:nvPr/>
+        </p:nvSpPr>
+        <p:spPr>
+          <a:xfrm>
+            <a:off x="354648" y="3905555"/>
+            <a:ext cx="1878330" cy="646331"/>
+          </a:xfrm>
+          <a:prstGeom prst="rect">
+            <a:avLst/>
+          </a:prstGeom>
+          <a:noFill/>
+        </p:spPr>
+        <p:txBody>
+          <a:bodyPr wrap="square" rtlCol="0">
+            <a:spAutoFit/>
+          </a:bodyPr>
+          <a:lstStyle/>
+          <a:p>
+            <a:r>
+              <a:rPr lang="en-US" dirty="0"/>
+              <a:t>Splitting data into Training/Test set</a:t>
+            </a:r>
+          </a:p>
+        </p:txBody>
+      </p:sp>
+      <p:sp>
+        <p:nvSpPr>
+          <p:cNvPr id="21" name="Rectangle 20">
+            <a:extLst>
+              <a:ext uri="{FF2B5EF4-FFF2-40B4-BE49-F238E27FC236}">
+                <a16:creationId xmlns:a16="http://schemas.microsoft.com/office/drawing/2014/main" id="{7116EA31-6BB8-4276-ABF2-0D3CE132DE30}"/>
+              </a:ext>
+            </a:extLst>
+          </p:cNvPr>
+          <p:cNvSpPr/>
+          <p:nvPr/>
+        </p:nvSpPr>
+        <p:spPr>
+          <a:xfrm>
+            <a:off x="9564873" y="517472"/>
+            <a:ext cx="2527293" cy="1397419"/>
+          </a:xfrm>
+          <a:prstGeom prst="rect">
+            <a:avLst/>
+          </a:prstGeom>
+        </p:spPr>
+        <p:style>
+          <a:lnRef idx="2">
+            <a:schemeClr val="accent1">
+              <a:shade val="50000"/>
+            </a:schemeClr>
+          </a:lnRef>
+          <a:fillRef idx="1">
+            <a:schemeClr val="accent1"/>
+          </a:fillRef>
+          <a:effectRef idx="0">
+            <a:schemeClr val="accent1"/>
+          </a:effectRef>
+          <a:fontRef idx="minor">
+            <a:schemeClr val="lt1"/>
+          </a:fontRef>
+        </p:style>
+        <p:txBody>
+          <a:bodyPr rtlCol="0" anchor="ctr"/>
+          <a:lstStyle/>
+          <a:p>
+            <a:pPr algn="ctr"/>
+            <a:endParaRPr lang="en-US"/>
+          </a:p>
+        </p:txBody>
+      </p:sp>
+      <p:sp>
+        <p:nvSpPr>
+          <p:cNvPr id="22" name="TextBox 21">
+            <a:extLst>
+              <a:ext uri="{FF2B5EF4-FFF2-40B4-BE49-F238E27FC236}">
+                <a16:creationId xmlns:a16="http://schemas.microsoft.com/office/drawing/2014/main" id="{9A5551AC-B5CA-46E3-BFBB-2F113CF69BDA}"/>
+              </a:ext>
+            </a:extLst>
+          </p:cNvPr>
+          <p:cNvSpPr txBox="1"/>
+          <p:nvPr/>
+        </p:nvSpPr>
+        <p:spPr>
+          <a:xfrm>
+            <a:off x="2894426" y="5794217"/>
+            <a:ext cx="1495425" cy="646331"/>
+          </a:xfrm>
+          <a:prstGeom prst="rect">
+            <a:avLst/>
+          </a:prstGeom>
+          <a:noFill/>
+        </p:spPr>
+        <p:txBody>
+          <a:bodyPr wrap="square" rtlCol="0">
+            <a:spAutoFit/>
+          </a:bodyPr>
+          <a:lstStyle/>
+          <a:p>
+            <a:r>
+              <a:rPr lang="en-US" dirty="0"/>
+              <a:t>Final Model Testing </a:t>
+            </a:r>
+          </a:p>
+        </p:txBody>
+      </p:sp>
+      <p:sp>
+        <p:nvSpPr>
+          <p:cNvPr id="23" name="TextBox 22">
+            <a:extLst>
+              <a:ext uri="{FF2B5EF4-FFF2-40B4-BE49-F238E27FC236}">
+                <a16:creationId xmlns:a16="http://schemas.microsoft.com/office/drawing/2014/main" id="{FBF1DE83-7E65-47AB-B3AF-812A9DF4D302}"/>
+              </a:ext>
+            </a:extLst>
+          </p:cNvPr>
+          <p:cNvSpPr txBox="1"/>
+          <p:nvPr/>
+        </p:nvSpPr>
+        <p:spPr>
+          <a:xfrm>
+            <a:off x="9580433" y="590385"/>
+            <a:ext cx="2511733" cy="1200329"/>
+          </a:xfrm>
+          <a:prstGeom prst="rect">
+            <a:avLst/>
+          </a:prstGeom>
+          <a:noFill/>
+        </p:spPr>
+        <p:txBody>
+          <a:bodyPr wrap="square" rtlCol="0">
+            <a:spAutoFit/>
+          </a:bodyPr>
+          <a:lstStyle/>
+          <a:p>
+            <a:r>
+              <a:rPr lang="en-US" dirty="0"/>
+              <a:t>Backward Step Feature Selection(Take one insignificant feature out at a time)</a:t>
             </a:r>
           </a:p>
         </p:txBody>
@@ -3916,8 +4063,8 @@
         </p:nvCxnSpPr>
         <p:spPr>
           <a:xfrm>
-            <a:off x="2428240" y="3042919"/>
-            <a:ext cx="901065" cy="0"/>
+            <a:off x="860425" y="1179380"/>
+            <a:ext cx="0" cy="457200"/>
           </a:xfrm>
           <a:prstGeom prst="straightConnector1">
             <a:avLst/>
@@ -3957,8 +4104,8 @@
         </p:nvCxnSpPr>
         <p:spPr>
           <a:xfrm>
-            <a:off x="5615305" y="3042919"/>
-            <a:ext cx="901065" cy="0"/>
+            <a:off x="1148152" y="2939280"/>
+            <a:ext cx="0" cy="622873"/>
           </a:xfrm>
           <a:prstGeom prst="straightConnector1">
             <a:avLst/>
@@ -3997,9 +4144,9 @@
           <p:nvPr/>
         </p:nvCxnSpPr>
         <p:spPr>
-          <a:xfrm>
-            <a:off x="8939530" y="3077283"/>
-            <a:ext cx="901065" cy="0"/>
+          <a:xfrm flipV="1">
+            <a:off x="2363783" y="3076145"/>
+            <a:ext cx="466571" cy="590145"/>
           </a:xfrm>
           <a:prstGeom prst="straightConnector1">
             <a:avLst/>
@@ -4038,9 +4185,9 @@
           <p:nvPr/>
         </p:nvCxnSpPr>
         <p:spPr>
-          <a:xfrm>
-            <a:off x="11129010" y="3756381"/>
-            <a:ext cx="0" cy="516654"/>
+          <a:xfrm flipV="1">
+            <a:off x="5549719" y="1873236"/>
+            <a:ext cx="0" cy="478159"/>
           </a:xfrm>
           <a:prstGeom prst="straightConnector1">
             <a:avLst/>
@@ -4079,9 +4226,9 @@
           <p:nvPr/>
         </p:nvCxnSpPr>
         <p:spPr>
-          <a:xfrm flipH="1">
-            <a:off x="9006840" y="4867091"/>
-            <a:ext cx="892175" cy="0"/>
+          <a:xfrm>
+            <a:off x="4470753" y="3009272"/>
+            <a:ext cx="490871" cy="0"/>
           </a:xfrm>
           <a:prstGeom prst="straightConnector1">
             <a:avLst/>
@@ -4121,8 +4268,8 @@
         </p:nvCxnSpPr>
         <p:spPr>
           <a:xfrm>
-            <a:off x="8801100" y="961625"/>
-            <a:ext cx="901065" cy="0"/>
+            <a:off x="2333312" y="6117384"/>
+            <a:ext cx="384488" cy="0"/>
           </a:xfrm>
           <a:prstGeom prst="straightConnector1">
             <a:avLst/>
@@ -4161,9 +4308,9 @@
           <p:nvPr/>
         </p:nvCxnSpPr>
         <p:spPr>
-          <a:xfrm flipV="1">
-            <a:off x="7589520" y="1737360"/>
-            <a:ext cx="0" cy="513079"/>
+          <a:xfrm>
+            <a:off x="1130027" y="4816251"/>
+            <a:ext cx="0" cy="638907"/>
           </a:xfrm>
           <a:prstGeom prst="straightConnector1">
             <a:avLst/>
@@ -4201,7 +4348,7 @@
         </p:nvSpPr>
         <p:spPr>
           <a:xfrm>
-            <a:off x="6612890" y="500380"/>
+            <a:off x="241618" y="5501700"/>
             <a:ext cx="1991360" cy="1107440"/>
           </a:xfrm>
           <a:prstGeom prst="rect">
@@ -4247,8 +4394,8 @@
         </p:nvSpPr>
         <p:spPr>
           <a:xfrm>
-            <a:off x="6872287" y="592435"/>
-            <a:ext cx="1602105" cy="923330"/>
+            <a:off x="241618" y="5454397"/>
+            <a:ext cx="2125345" cy="1200329"/>
           </a:xfrm>
           <a:prstGeom prst="rect">
             <a:avLst/>
@@ -4263,7 +4410,7 @@
           <a:p>
             <a:r>
               <a:rPr lang="en-US" dirty="0"/>
-              <a:t>Test set – For final model evaluation</a:t>
+              <a:t>Test set – For final model evaluation (Contains Subjects 4,8)</a:t>
             </a:r>
           </a:p>
         </p:txBody>
@@ -4282,8 +4429,8 @@
         </p:nvSpPr>
         <p:spPr>
           <a:xfrm>
-            <a:off x="8725535" y="2673587"/>
-            <a:ext cx="1602105" cy="369332"/>
+            <a:off x="8662520" y="5104748"/>
+            <a:ext cx="2858919" cy="923330"/>
           </a:xfrm>
           <a:prstGeom prst="rect">
             <a:avLst/>
@@ -4298,7 +4445,534 @@
           <a:p>
             <a:r>
               <a:rPr lang="en-US" dirty="0"/>
-              <a:t>Training set</a:t>
+              <a:t>Validation (1 subjects) Used to pick best model </a:t>
+            </a:r>
+            <a:r>
+              <a:rPr lang="en-US"/>
+              <a:t>based on </a:t>
+            </a:r>
+            <a:r>
+              <a:rPr lang="en-US" dirty="0"/>
+              <a:t>MSE, AIC values</a:t>
+            </a:r>
+          </a:p>
+        </p:txBody>
+      </p:sp>
+      <p:sp>
+        <p:nvSpPr>
+          <p:cNvPr id="36" name="Rectangle 35">
+            <a:extLst>
+              <a:ext uri="{FF2B5EF4-FFF2-40B4-BE49-F238E27FC236}">
+                <a16:creationId xmlns:a16="http://schemas.microsoft.com/office/drawing/2014/main" id="{B6B2B668-0EBE-42F5-BEC7-92267B92C145}"/>
+              </a:ext>
+            </a:extLst>
+          </p:cNvPr>
+          <p:cNvSpPr/>
+          <p:nvPr/>
+        </p:nvSpPr>
+        <p:spPr>
+          <a:xfrm>
+            <a:off x="7101078" y="2939280"/>
+            <a:ext cx="1878330" cy="1240066"/>
+          </a:xfrm>
+          <a:prstGeom prst="rect">
+            <a:avLst/>
+          </a:prstGeom>
+        </p:spPr>
+        <p:style>
+          <a:lnRef idx="2">
+            <a:schemeClr val="accent1">
+              <a:shade val="50000"/>
+            </a:schemeClr>
+          </a:lnRef>
+          <a:fillRef idx="1">
+            <a:schemeClr val="accent1"/>
+          </a:fillRef>
+          <a:effectRef idx="0">
+            <a:schemeClr val="accent1"/>
+          </a:effectRef>
+          <a:fontRef idx="minor">
+            <a:schemeClr val="lt1"/>
+          </a:fontRef>
+        </p:style>
+        <p:txBody>
+          <a:bodyPr rtlCol="0" anchor="ctr"/>
+          <a:lstStyle/>
+          <a:p>
+            <a:pPr algn="ctr"/>
+            <a:endParaRPr lang="en-US"/>
+          </a:p>
+        </p:txBody>
+      </p:sp>
+      <p:sp>
+        <p:nvSpPr>
+          <p:cNvPr id="14" name="TextBox 13">
+            <a:extLst>
+              <a:ext uri="{FF2B5EF4-FFF2-40B4-BE49-F238E27FC236}">
+                <a16:creationId xmlns:a16="http://schemas.microsoft.com/office/drawing/2014/main" id="{58709AF0-ED89-486D-A239-02C5DC001388}"/>
+              </a:ext>
+            </a:extLst>
+          </p:cNvPr>
+          <p:cNvSpPr txBox="1"/>
+          <p:nvPr/>
+        </p:nvSpPr>
+        <p:spPr>
+          <a:xfrm>
+            <a:off x="6811500" y="1226700"/>
+            <a:ext cx="2646205" cy="923330"/>
+          </a:xfrm>
+          <a:prstGeom prst="rect">
+            <a:avLst/>
+          </a:prstGeom>
+          <a:noFill/>
+        </p:spPr>
+        <p:txBody>
+          <a:bodyPr wrap="square" rtlCol="0">
+            <a:spAutoFit/>
+          </a:bodyPr>
+          <a:lstStyle/>
+          <a:p>
+            <a:r>
+              <a:rPr lang="en-US" dirty="0"/>
+              <a:t>Hyper Parameter Tuning of lambda value (Looked at BIC to select best value)</a:t>
+            </a:r>
+          </a:p>
+        </p:txBody>
+      </p:sp>
+      <p:cxnSp>
+        <p:nvCxnSpPr>
+          <p:cNvPr id="37" name="Straight Arrow Connector 36">
+            <a:extLst>
+              <a:ext uri="{FF2B5EF4-FFF2-40B4-BE49-F238E27FC236}">
+                <a16:creationId xmlns:a16="http://schemas.microsoft.com/office/drawing/2014/main" id="{B94C083B-B74C-46FB-B70F-2AFDD644F3AA}"/>
+              </a:ext>
+            </a:extLst>
+          </p:cNvPr>
+          <p:cNvCxnSpPr>
+            <a:cxnSpLocks/>
+          </p:cNvCxnSpPr>
+          <p:nvPr/>
+        </p:nvCxnSpPr>
+        <p:spPr>
+          <a:xfrm>
+            <a:off x="2363783" y="4440986"/>
+            <a:ext cx="6140137" cy="1003091"/>
+          </a:xfrm>
+          <a:prstGeom prst="straightConnector1">
+            <a:avLst/>
+          </a:prstGeom>
+          <a:ln>
+            <a:tailEnd type="triangle"/>
+          </a:ln>
+        </p:spPr>
+        <p:style>
+          <a:lnRef idx="1">
+            <a:schemeClr val="accent1"/>
+          </a:lnRef>
+          <a:fillRef idx="0">
+            <a:schemeClr val="accent1"/>
+          </a:fillRef>
+          <a:effectRef idx="0">
+            <a:schemeClr val="accent1"/>
+          </a:effectRef>
+          <a:fontRef idx="minor">
+            <a:schemeClr val="tx1"/>
+          </a:fontRef>
+        </p:style>
+      </p:cxnSp>
+      <p:sp>
+        <p:nvSpPr>
+          <p:cNvPr id="39" name="TextBox 38">
+            <a:extLst>
+              <a:ext uri="{FF2B5EF4-FFF2-40B4-BE49-F238E27FC236}">
+                <a16:creationId xmlns:a16="http://schemas.microsoft.com/office/drawing/2014/main" id="{D56B6A21-92FE-4768-8CD7-D1ABCEB847F6}"/>
+              </a:ext>
+            </a:extLst>
+          </p:cNvPr>
+          <p:cNvSpPr txBox="1"/>
+          <p:nvPr/>
+        </p:nvSpPr>
+        <p:spPr>
+          <a:xfrm>
+            <a:off x="3040994" y="2763601"/>
+            <a:ext cx="1493682" cy="646331"/>
+          </a:xfrm>
+          <a:prstGeom prst="rect">
+            <a:avLst/>
+          </a:prstGeom>
+          <a:noFill/>
+        </p:spPr>
+        <p:txBody>
+          <a:bodyPr wrap="square" rtlCol="0">
+            <a:spAutoFit/>
+          </a:bodyPr>
+          <a:lstStyle/>
+          <a:p>
+            <a:r>
+              <a:rPr lang="en-US" dirty="0"/>
+              <a:t>Training Set (7 subjects)</a:t>
+            </a:r>
+          </a:p>
+        </p:txBody>
+      </p:sp>
+      <p:cxnSp>
+        <p:nvCxnSpPr>
+          <p:cNvPr id="47" name="Straight Arrow Connector 46">
+            <a:extLst>
+              <a:ext uri="{FF2B5EF4-FFF2-40B4-BE49-F238E27FC236}">
+                <a16:creationId xmlns:a16="http://schemas.microsoft.com/office/drawing/2014/main" id="{C1518B85-3245-4350-BA67-4E82AB814174}"/>
+              </a:ext>
+            </a:extLst>
+          </p:cNvPr>
+          <p:cNvCxnSpPr>
+            <a:cxnSpLocks/>
+          </p:cNvCxnSpPr>
+          <p:nvPr/>
+        </p:nvCxnSpPr>
+        <p:spPr>
+          <a:xfrm>
+            <a:off x="7919003" y="2285444"/>
+            <a:ext cx="0" cy="470480"/>
+          </a:xfrm>
+          <a:prstGeom prst="straightConnector1">
+            <a:avLst/>
+          </a:prstGeom>
+          <a:ln>
+            <a:tailEnd type="triangle"/>
+          </a:ln>
+        </p:spPr>
+        <p:style>
+          <a:lnRef idx="1">
+            <a:schemeClr val="accent1"/>
+          </a:lnRef>
+          <a:fillRef idx="0">
+            <a:schemeClr val="accent1"/>
+          </a:fillRef>
+          <a:effectRef idx="0">
+            <a:schemeClr val="accent1"/>
+          </a:effectRef>
+          <a:fontRef idx="minor">
+            <a:schemeClr val="tx1"/>
+          </a:fontRef>
+        </p:style>
+      </p:cxnSp>
+      <p:sp>
+        <p:nvSpPr>
+          <p:cNvPr id="53" name="TextBox 52">
+            <a:extLst>
+              <a:ext uri="{FF2B5EF4-FFF2-40B4-BE49-F238E27FC236}">
+                <a16:creationId xmlns:a16="http://schemas.microsoft.com/office/drawing/2014/main" id="{14BAB256-3DC9-4224-B556-C5BB20115821}"/>
+              </a:ext>
+            </a:extLst>
+          </p:cNvPr>
+          <p:cNvSpPr txBox="1"/>
+          <p:nvPr/>
+        </p:nvSpPr>
+        <p:spPr>
+          <a:xfrm>
+            <a:off x="7159647" y="2979017"/>
+            <a:ext cx="1991359" cy="1200329"/>
+          </a:xfrm>
+          <a:prstGeom prst="rect">
+            <a:avLst/>
+          </a:prstGeom>
+          <a:noFill/>
+        </p:spPr>
+        <p:txBody>
+          <a:bodyPr wrap="square" rtlCol="0">
+            <a:spAutoFit/>
+          </a:bodyPr>
+          <a:lstStyle/>
+          <a:p>
+            <a:r>
+              <a:rPr lang="en-US" dirty="0"/>
+              <a:t>Use of LASSO with mixed Model to perform Feature Selection</a:t>
+            </a:r>
+          </a:p>
+        </p:txBody>
+      </p:sp>
+      <p:cxnSp>
+        <p:nvCxnSpPr>
+          <p:cNvPr id="54" name="Straight Arrow Connector 53">
+            <a:extLst>
+              <a:ext uri="{FF2B5EF4-FFF2-40B4-BE49-F238E27FC236}">
+                <a16:creationId xmlns:a16="http://schemas.microsoft.com/office/drawing/2014/main" id="{5735BAAD-D753-4F74-B03F-9041D6BE4896}"/>
+              </a:ext>
+            </a:extLst>
+          </p:cNvPr>
+          <p:cNvCxnSpPr>
+            <a:cxnSpLocks/>
+          </p:cNvCxnSpPr>
+          <p:nvPr/>
+        </p:nvCxnSpPr>
+        <p:spPr>
+          <a:xfrm>
+            <a:off x="6350636" y="1554480"/>
+            <a:ext cx="418080" cy="0"/>
+          </a:xfrm>
+          <a:prstGeom prst="straightConnector1">
+            <a:avLst/>
+          </a:prstGeom>
+          <a:ln>
+            <a:tailEnd type="triangle"/>
+          </a:ln>
+        </p:spPr>
+        <p:style>
+          <a:lnRef idx="1">
+            <a:schemeClr val="accent1"/>
+          </a:lnRef>
+          <a:fillRef idx="0">
+            <a:schemeClr val="accent1"/>
+          </a:fillRef>
+          <a:effectRef idx="0">
+            <a:schemeClr val="accent1"/>
+          </a:effectRef>
+          <a:fontRef idx="minor">
+            <a:schemeClr val="tx1"/>
+          </a:fontRef>
+        </p:style>
+      </p:cxnSp>
+      <p:cxnSp>
+        <p:nvCxnSpPr>
+          <p:cNvPr id="55" name="Straight Arrow Connector 54">
+            <a:extLst>
+              <a:ext uri="{FF2B5EF4-FFF2-40B4-BE49-F238E27FC236}">
+                <a16:creationId xmlns:a16="http://schemas.microsoft.com/office/drawing/2014/main" id="{9026922F-4109-4FEE-9818-5293E83180BB}"/>
+              </a:ext>
+            </a:extLst>
+          </p:cNvPr>
+          <p:cNvCxnSpPr>
+            <a:cxnSpLocks/>
+          </p:cNvCxnSpPr>
+          <p:nvPr/>
+        </p:nvCxnSpPr>
+        <p:spPr>
+          <a:xfrm flipV="1">
+            <a:off x="6350636" y="602278"/>
+            <a:ext cx="3171453" cy="18528"/>
+          </a:xfrm>
+          <a:prstGeom prst="straightConnector1">
+            <a:avLst/>
+          </a:prstGeom>
+          <a:ln>
+            <a:tailEnd type="triangle"/>
+          </a:ln>
+        </p:spPr>
+        <p:style>
+          <a:lnRef idx="1">
+            <a:schemeClr val="accent1"/>
+          </a:lnRef>
+          <a:fillRef idx="0">
+            <a:schemeClr val="accent1"/>
+          </a:fillRef>
+          <a:effectRef idx="0">
+            <a:schemeClr val="accent1"/>
+          </a:effectRef>
+          <a:fontRef idx="minor">
+            <a:schemeClr val="tx1"/>
+          </a:fontRef>
+        </p:style>
+      </p:cxnSp>
+      <p:cxnSp>
+        <p:nvCxnSpPr>
+          <p:cNvPr id="65" name="Straight Arrow Connector 64">
+            <a:extLst>
+              <a:ext uri="{FF2B5EF4-FFF2-40B4-BE49-F238E27FC236}">
+                <a16:creationId xmlns:a16="http://schemas.microsoft.com/office/drawing/2014/main" id="{8883712A-5EE3-45FD-97B6-DBB2C52DC81B}"/>
+              </a:ext>
+            </a:extLst>
+          </p:cNvPr>
+          <p:cNvCxnSpPr>
+            <a:cxnSpLocks/>
+          </p:cNvCxnSpPr>
+          <p:nvPr/>
+        </p:nvCxnSpPr>
+        <p:spPr>
+          <a:xfrm>
+            <a:off x="8290859" y="4299229"/>
+            <a:ext cx="371661" cy="563541"/>
+          </a:xfrm>
+          <a:prstGeom prst="straightConnector1">
+            <a:avLst/>
+          </a:prstGeom>
+          <a:ln>
+            <a:tailEnd type="triangle"/>
+          </a:ln>
+        </p:spPr>
+        <p:style>
+          <a:lnRef idx="1">
+            <a:schemeClr val="accent1"/>
+          </a:lnRef>
+          <a:fillRef idx="0">
+            <a:schemeClr val="accent1"/>
+          </a:fillRef>
+          <a:effectRef idx="0">
+            <a:schemeClr val="accent1"/>
+          </a:effectRef>
+          <a:fontRef idx="minor">
+            <a:schemeClr val="tx1"/>
+          </a:fontRef>
+        </p:style>
+      </p:cxnSp>
+      <p:cxnSp>
+        <p:nvCxnSpPr>
+          <p:cNvPr id="67" name="Straight Arrow Connector 66">
+            <a:extLst>
+              <a:ext uri="{FF2B5EF4-FFF2-40B4-BE49-F238E27FC236}">
+                <a16:creationId xmlns:a16="http://schemas.microsoft.com/office/drawing/2014/main" id="{B560F4C4-165C-44F1-9967-76D3250A92AD}"/>
+              </a:ext>
+            </a:extLst>
+          </p:cNvPr>
+          <p:cNvCxnSpPr>
+            <a:cxnSpLocks/>
+          </p:cNvCxnSpPr>
+          <p:nvPr/>
+        </p:nvCxnSpPr>
+        <p:spPr>
+          <a:xfrm>
+            <a:off x="10886124" y="1987804"/>
+            <a:ext cx="0" cy="2781905"/>
+          </a:xfrm>
+          <a:prstGeom prst="straightConnector1">
+            <a:avLst/>
+          </a:prstGeom>
+          <a:ln>
+            <a:tailEnd type="triangle"/>
+          </a:ln>
+        </p:spPr>
+        <p:style>
+          <a:lnRef idx="1">
+            <a:schemeClr val="accent1"/>
+          </a:lnRef>
+          <a:fillRef idx="0">
+            <a:schemeClr val="accent1"/>
+          </a:fillRef>
+          <a:effectRef idx="0">
+            <a:schemeClr val="accent1"/>
+          </a:effectRef>
+          <a:fontRef idx="minor">
+            <a:schemeClr val="tx1"/>
+          </a:fontRef>
+        </p:style>
+      </p:cxnSp>
+      <p:cxnSp>
+        <p:nvCxnSpPr>
+          <p:cNvPr id="75" name="Straight Arrow Connector 74">
+            <a:extLst>
+              <a:ext uri="{FF2B5EF4-FFF2-40B4-BE49-F238E27FC236}">
+                <a16:creationId xmlns:a16="http://schemas.microsoft.com/office/drawing/2014/main" id="{35D897E3-9A05-4B7D-8F2E-6A54EF01889E}"/>
+              </a:ext>
+            </a:extLst>
+          </p:cNvPr>
+          <p:cNvCxnSpPr>
+            <a:cxnSpLocks/>
+          </p:cNvCxnSpPr>
+          <p:nvPr/>
+        </p:nvCxnSpPr>
+        <p:spPr>
+          <a:xfrm>
+            <a:off x="4273346" y="6086951"/>
+            <a:ext cx="384488" cy="0"/>
+          </a:xfrm>
+          <a:prstGeom prst="straightConnector1">
+            <a:avLst/>
+          </a:prstGeom>
+          <a:ln>
+            <a:tailEnd type="triangle"/>
+          </a:ln>
+        </p:spPr>
+        <p:style>
+          <a:lnRef idx="1">
+            <a:schemeClr val="accent1"/>
+          </a:lnRef>
+          <a:fillRef idx="0">
+            <a:schemeClr val="accent1"/>
+          </a:fillRef>
+          <a:effectRef idx="0">
+            <a:schemeClr val="accent1"/>
+          </a:effectRef>
+          <a:fontRef idx="minor">
+            <a:schemeClr val="tx1"/>
+          </a:fontRef>
+        </p:style>
+      </p:cxnSp>
+      <p:sp>
+        <p:nvSpPr>
+          <p:cNvPr id="76" name="Rectangle 75">
+            <a:extLst>
+              <a:ext uri="{FF2B5EF4-FFF2-40B4-BE49-F238E27FC236}">
+                <a16:creationId xmlns:a16="http://schemas.microsoft.com/office/drawing/2014/main" id="{48B46ED8-8768-432B-87CF-017203FF7B9F}"/>
+              </a:ext>
+            </a:extLst>
+          </p:cNvPr>
+          <p:cNvSpPr/>
+          <p:nvPr/>
+        </p:nvSpPr>
+        <p:spPr>
+          <a:xfrm>
+            <a:off x="4838127" y="5722012"/>
+            <a:ext cx="1078041" cy="699895"/>
+          </a:xfrm>
+          <a:prstGeom prst="rect">
+            <a:avLst/>
+          </a:prstGeom>
+        </p:spPr>
+        <p:style>
+          <a:lnRef idx="2">
+            <a:schemeClr val="accent1">
+              <a:shade val="50000"/>
+            </a:schemeClr>
+          </a:lnRef>
+          <a:fillRef idx="1">
+            <a:schemeClr val="accent1"/>
+          </a:fillRef>
+          <a:effectRef idx="0">
+            <a:schemeClr val="accent1"/>
+          </a:effectRef>
+          <a:fontRef idx="minor">
+            <a:schemeClr val="lt1"/>
+          </a:fontRef>
+        </p:style>
+        <p:txBody>
+          <a:bodyPr rtlCol="0" anchor="ctr"/>
+          <a:lstStyle/>
+          <a:p>
+            <a:pPr algn="ctr"/>
+            <a:endParaRPr lang="en-US"/>
+          </a:p>
+        </p:txBody>
+      </p:sp>
+      <p:sp>
+        <p:nvSpPr>
+          <p:cNvPr id="77" name="TextBox 76">
+            <a:extLst>
+              <a:ext uri="{FF2B5EF4-FFF2-40B4-BE49-F238E27FC236}">
+                <a16:creationId xmlns:a16="http://schemas.microsoft.com/office/drawing/2014/main" id="{49B2BB49-AF3D-40BF-B140-875BDEF5F13C}"/>
+              </a:ext>
+            </a:extLst>
+          </p:cNvPr>
+          <p:cNvSpPr txBox="1"/>
+          <p:nvPr/>
+        </p:nvSpPr>
+        <p:spPr>
+          <a:xfrm>
+            <a:off x="4802006" y="5746597"/>
+            <a:ext cx="1495425" cy="646331"/>
+          </a:xfrm>
+          <a:prstGeom prst="rect">
+            <a:avLst/>
+          </a:prstGeom>
+          <a:noFill/>
+        </p:spPr>
+        <p:txBody>
+          <a:bodyPr wrap="square" rtlCol="0">
+            <a:spAutoFit/>
+          </a:bodyPr>
+          <a:lstStyle/>
+          <a:p>
+            <a:r>
+              <a:rPr lang="en-US" dirty="0"/>
+              <a:t>Look at C.I and MSE</a:t>
             </a:r>
           </a:p>
         </p:txBody>

--- a/MLM Diagram.pptx
+++ b/MLM Diagram.pptx
@@ -259,7 +259,7 @@
           <a:p>
             <a:fld id="{F6E5126B-21E6-487F-966D-C011DEC8F446}" type="datetimeFigureOut">
               <a:rPr lang="en-US" smtClean="0"/>
-              <a:t>4/22/2022</a:t>
+              <a:t>4/24/2022</a:t>
             </a:fld>
             <a:endParaRPr lang="en-US"/>
           </a:p>
@@ -457,7 +457,7 @@
           <a:p>
             <a:fld id="{F6E5126B-21E6-487F-966D-C011DEC8F446}" type="datetimeFigureOut">
               <a:rPr lang="en-US" smtClean="0"/>
-              <a:t>4/22/2022</a:t>
+              <a:t>4/24/2022</a:t>
             </a:fld>
             <a:endParaRPr lang="en-US"/>
           </a:p>
@@ -665,7 +665,7 @@
           <a:p>
             <a:fld id="{F6E5126B-21E6-487F-966D-C011DEC8F446}" type="datetimeFigureOut">
               <a:rPr lang="en-US" smtClean="0"/>
-              <a:t>4/22/2022</a:t>
+              <a:t>4/24/2022</a:t>
             </a:fld>
             <a:endParaRPr lang="en-US"/>
           </a:p>
@@ -863,7 +863,7 @@
           <a:p>
             <a:fld id="{F6E5126B-21E6-487F-966D-C011DEC8F446}" type="datetimeFigureOut">
               <a:rPr lang="en-US" smtClean="0"/>
-              <a:t>4/22/2022</a:t>
+              <a:t>4/24/2022</a:t>
             </a:fld>
             <a:endParaRPr lang="en-US"/>
           </a:p>
@@ -1138,7 +1138,7 @@
           <a:p>
             <a:fld id="{F6E5126B-21E6-487F-966D-C011DEC8F446}" type="datetimeFigureOut">
               <a:rPr lang="en-US" smtClean="0"/>
-              <a:t>4/22/2022</a:t>
+              <a:t>4/24/2022</a:t>
             </a:fld>
             <a:endParaRPr lang="en-US"/>
           </a:p>
@@ -1403,7 +1403,7 @@
           <a:p>
             <a:fld id="{F6E5126B-21E6-487F-966D-C011DEC8F446}" type="datetimeFigureOut">
               <a:rPr lang="en-US" smtClean="0"/>
-              <a:t>4/22/2022</a:t>
+              <a:t>4/24/2022</a:t>
             </a:fld>
             <a:endParaRPr lang="en-US"/>
           </a:p>
@@ -1815,7 +1815,7 @@
           <a:p>
             <a:fld id="{F6E5126B-21E6-487F-966D-C011DEC8F446}" type="datetimeFigureOut">
               <a:rPr lang="en-US" smtClean="0"/>
-              <a:t>4/22/2022</a:t>
+              <a:t>4/24/2022</a:t>
             </a:fld>
             <a:endParaRPr lang="en-US"/>
           </a:p>
@@ -1956,7 +1956,7 @@
           <a:p>
             <a:fld id="{F6E5126B-21E6-487F-966D-C011DEC8F446}" type="datetimeFigureOut">
               <a:rPr lang="en-US" smtClean="0"/>
-              <a:t>4/22/2022</a:t>
+              <a:t>4/24/2022</a:t>
             </a:fld>
             <a:endParaRPr lang="en-US"/>
           </a:p>
@@ -2069,7 +2069,7 @@
           <a:p>
             <a:fld id="{F6E5126B-21E6-487F-966D-C011DEC8F446}" type="datetimeFigureOut">
               <a:rPr lang="en-US" smtClean="0"/>
-              <a:t>4/22/2022</a:t>
+              <a:t>4/24/2022</a:t>
             </a:fld>
             <a:endParaRPr lang="en-US"/>
           </a:p>
@@ -2380,7 +2380,7 @@
           <a:p>
             <a:fld id="{F6E5126B-21E6-487F-966D-C011DEC8F446}" type="datetimeFigureOut">
               <a:rPr lang="en-US" smtClean="0"/>
-              <a:t>4/22/2022</a:t>
+              <a:t>4/24/2022</a:t>
             </a:fld>
             <a:endParaRPr lang="en-US"/>
           </a:p>
@@ -2668,7 +2668,7 @@
           <a:p>
             <a:fld id="{F6E5126B-21E6-487F-966D-C011DEC8F446}" type="datetimeFigureOut">
               <a:rPr lang="en-US" smtClean="0"/>
-              <a:t>4/22/2022</a:t>
+              <a:t>4/24/2022</a:t>
             </a:fld>
             <a:endParaRPr lang="en-US"/>
           </a:p>
@@ -2909,7 +2909,7 @@
           <a:p>
             <a:fld id="{F6E5126B-21E6-487F-966D-C011DEC8F446}" type="datetimeFigureOut">
               <a:rPr lang="en-US" smtClean="0"/>
-              <a:t>4/22/2022</a:t>
+              <a:t>4/24/2022</a:t>
             </a:fld>
             <a:endParaRPr lang="en-US"/>
           </a:p>
@@ -4445,15 +4445,7 @@
           <a:p>
             <a:r>
               <a:rPr lang="en-US" dirty="0"/>
-              <a:t>Validation (1 subjects) Used to pick best model </a:t>
-            </a:r>
-            <a:r>
-              <a:rPr lang="en-US"/>
-              <a:t>based on </a:t>
-            </a:r>
-            <a:r>
-              <a:rPr lang="en-US" dirty="0"/>
-              <a:t>MSE, AIC values</a:t>
+              <a:t>Validation (1 subjects) Used to pick best model based on MSE, AIC values</a:t>
             </a:r>
           </a:p>
         </p:txBody>
@@ -4610,7 +4602,7 @@
           <a:p>
             <a:r>
               <a:rPr lang="en-US" dirty="0"/>
-              <a:t>Training Set (7 subjects)</a:t>
+              <a:t>Training Set (6 subjects)</a:t>
             </a:r>
           </a:p>
         </p:txBody>
